--- a/retos/matrices/23.3.mul0/mul.pptx
+++ b/retos/matrices/23.3.mul0/mul.pptx
@@ -104,6 +104,11 @@
       </a:defRPr>
     </a:lvl9pPr>
   </p:defaultTextStyle>
+  <p:extLst>
+    <p:ext uri="{EFAFB233-063F-42B5-8137-9DF3F51BA10A}">
+      <p15:sldGuideLst xmlns:p15="http://schemas.microsoft.com/office/powerpoint/2012/main"/>
+    </p:ext>
+  </p:extLst>
 </p:presentation>
 </file>
 
@@ -3323,10 +3328,10 @@
       </p:grpSpPr>
       <p:sp>
         <p:nvSpPr>
-          <p:cNvPr id="41" name="Rectángulo 40">
-            <a:extLst>
-              <a:ext uri="{FF2B5EF4-FFF2-40B4-BE49-F238E27FC236}">
-                <a16:creationId xmlns:a16="http://schemas.microsoft.com/office/drawing/2014/main" id="{6A0FD56D-49B3-F29D-1E67-9BC680082318}"/>
+          <p:cNvPr id="15" name="Rectángulo 14">
+            <a:extLst>
+              <a:ext uri="{FF2B5EF4-FFF2-40B4-BE49-F238E27FC236}">
+                <a16:creationId xmlns:a16="http://schemas.microsoft.com/office/drawing/2014/main" id="{291E3FC3-219D-F634-BE60-8146A593DA19}"/>
               </a:ext>
             </a:extLst>
           </p:cNvPr>
@@ -3335,7 +3340,62 @@
         </p:nvSpPr>
         <p:spPr>
           <a:xfrm>
-            <a:off x="956999" y="3139974"/>
+            <a:off x="4425927" y="1947317"/>
+            <a:ext cx="425159" cy="281123"/>
+          </a:xfrm>
+          <a:prstGeom prst="rect">
+            <a:avLst/>
+          </a:prstGeom>
+          <a:solidFill>
+            <a:schemeClr val="accent6">
+              <a:lumMod val="20000"/>
+              <a:lumOff val="80000"/>
+            </a:schemeClr>
+          </a:solidFill>
+          <a:ln>
+            <a:noFill/>
+          </a:ln>
+        </p:spPr>
+        <p:style>
+          <a:lnRef idx="2">
+            <a:schemeClr val="accent1">
+              <a:shade val="15000"/>
+            </a:schemeClr>
+          </a:lnRef>
+          <a:fillRef idx="1">
+            <a:schemeClr val="accent1"/>
+          </a:fillRef>
+          <a:effectRef idx="0">
+            <a:schemeClr val="accent1"/>
+          </a:effectRef>
+          <a:fontRef idx="minor">
+            <a:schemeClr val="lt1"/>
+          </a:fontRef>
+        </p:style>
+        <p:txBody>
+          <a:bodyPr rtlCol="0" anchor="ctr"/>
+          <a:lstStyle/>
+          <a:p>
+            <a:pPr algn="ctr"/>
+            <a:endParaRPr lang="es-ES"/>
+          </a:p>
+        </p:txBody>
+      </p:sp>
+      <p:sp>
+        <p:nvSpPr>
+          <p:cNvPr id="41" name="Rectángulo 40">
+            <a:extLst>
+              <a:ext uri="{FF2B5EF4-FFF2-40B4-BE49-F238E27FC236}">
+                <a16:creationId xmlns:a16="http://schemas.microsoft.com/office/drawing/2014/main" id="{6A0FD56D-49B3-F29D-1E67-9BC680082318}"/>
+              </a:ext>
+            </a:extLst>
+          </p:cNvPr>
+          <p:cNvSpPr/>
+          <p:nvPr/>
+        </p:nvSpPr>
+        <p:spPr>
+          <a:xfrm>
+            <a:off x="956999" y="4035324"/>
             <a:ext cx="4504763" cy="281123"/>
           </a:xfrm>
           <a:prstGeom prst="rect">
@@ -3633,7 +3693,9 @@
           </a:prstGeom>
           <a:ln>
             <a:solidFill>
-              <a:srgbClr val="FF0000"/>
+              <a:srgbClr val="FF0000">
+                <a:alpha val="51000"/>
+              </a:srgbClr>
             </a:solidFill>
           </a:ln>
         </p:spPr>
@@ -3740,10 +3802,9 @@
           </a:prstGeom>
           <a:ln>
             <a:solidFill>
-              <a:schemeClr val="tx2">
-                <a:lumMod val="50000"/>
-                <a:lumOff val="50000"/>
-              </a:schemeClr>
+              <a:srgbClr val="4F95DA">
+                <a:alpha val="51000"/>
+              </a:srgbClr>
             </a:solidFill>
             <a:tailEnd type="triangle"/>
           </a:ln>
@@ -3789,10 +3850,9 @@
           </a:prstGeom>
           <a:ln>
             <a:solidFill>
-              <a:schemeClr val="tx2">
-                <a:lumMod val="50000"/>
-                <a:lumOff val="50000"/>
-              </a:schemeClr>
+              <a:srgbClr val="4F95DA">
+                <a:alpha val="51000"/>
+              </a:srgbClr>
             </a:solidFill>
             <a:miter lim="800000"/>
             <a:tailEnd type="none"/>
@@ -4372,8 +4432,8 @@
         </p:nvSpPr>
         <p:spPr>
           <a:xfrm>
-            <a:off x="918741" y="3079752"/>
-            <a:ext cx="6096000" cy="369332"/>
+            <a:off x="918741" y="3975102"/>
+            <a:ext cx="4656559" cy="369332"/>
           </a:xfrm>
           <a:prstGeom prst="rect">
             <a:avLst/>
@@ -4443,6 +4503,144 @@
           </a:p>
         </p:txBody>
       </p:sp>
+      <p:cxnSp>
+        <p:nvCxnSpPr>
+          <p:cNvPr id="3" name="Conector curvado 2">
+            <a:extLst>
+              <a:ext uri="{FF2B5EF4-FFF2-40B4-BE49-F238E27FC236}">
+                <a16:creationId xmlns:a16="http://schemas.microsoft.com/office/drawing/2014/main" id="{288D187E-328E-6194-AEAA-40BD4B7087A4}"/>
+              </a:ext>
+            </a:extLst>
+          </p:cNvPr>
+          <p:cNvCxnSpPr>
+            <a:cxnSpLocks/>
+          </p:cNvCxnSpPr>
+          <p:nvPr/>
+        </p:nvCxnSpPr>
+        <p:spPr>
+          <a:xfrm rot="16200000" flipH="1">
+            <a:off x="1269796" y="2654099"/>
+            <a:ext cx="1753010" cy="888996"/>
+          </a:xfrm>
+          <a:prstGeom prst="curvedConnector3">
+            <a:avLst/>
+          </a:prstGeom>
+          <a:ln>
+            <a:solidFill>
+              <a:srgbClr val="4F95DA">
+                <a:alpha val="51000"/>
+              </a:srgbClr>
+            </a:solidFill>
+            <a:tailEnd type="triangle"/>
+          </a:ln>
+        </p:spPr>
+        <p:style>
+          <a:lnRef idx="2">
+            <a:schemeClr val="accent1"/>
+          </a:lnRef>
+          <a:fillRef idx="0">
+            <a:schemeClr val="accent1"/>
+          </a:fillRef>
+          <a:effectRef idx="1">
+            <a:schemeClr val="accent1"/>
+          </a:effectRef>
+          <a:fontRef idx="minor">
+            <a:schemeClr val="tx1"/>
+          </a:fontRef>
+        </p:style>
+      </p:cxnSp>
+      <p:cxnSp>
+        <p:nvCxnSpPr>
+          <p:cNvPr id="7" name="Conector curvado 6">
+            <a:extLst>
+              <a:ext uri="{FF2B5EF4-FFF2-40B4-BE49-F238E27FC236}">
+                <a16:creationId xmlns:a16="http://schemas.microsoft.com/office/drawing/2014/main" id="{855CDBA8-DF41-5F15-75DD-7FD98A9FCD56}"/>
+              </a:ext>
+            </a:extLst>
+          </p:cNvPr>
+          <p:cNvCxnSpPr>
+            <a:cxnSpLocks/>
+          </p:cNvCxnSpPr>
+          <p:nvPr/>
+        </p:nvCxnSpPr>
+        <p:spPr>
+          <a:xfrm rot="5400000">
+            <a:off x="2180449" y="3153548"/>
+            <a:ext cx="1231903" cy="411202"/>
+          </a:xfrm>
+          <a:prstGeom prst="curvedConnector3">
+            <a:avLst/>
+          </a:prstGeom>
+          <a:ln>
+            <a:solidFill>
+              <a:srgbClr val="4F95DA">
+                <a:alpha val="51000"/>
+              </a:srgbClr>
+            </a:solidFill>
+            <a:tailEnd type="triangle"/>
+          </a:ln>
+        </p:spPr>
+        <p:style>
+          <a:lnRef idx="2">
+            <a:schemeClr val="accent1"/>
+          </a:lnRef>
+          <a:fillRef idx="0">
+            <a:schemeClr val="accent1"/>
+          </a:fillRef>
+          <a:effectRef idx="1">
+            <a:schemeClr val="accent1"/>
+          </a:effectRef>
+          <a:fontRef idx="minor">
+            <a:schemeClr val="tx1"/>
+          </a:fontRef>
+        </p:style>
+      </p:cxnSp>
+      <p:cxnSp>
+        <p:nvCxnSpPr>
+          <p:cNvPr id="10" name="Conector curvado 9">
+            <a:extLst>
+              <a:ext uri="{FF2B5EF4-FFF2-40B4-BE49-F238E27FC236}">
+                <a16:creationId xmlns:a16="http://schemas.microsoft.com/office/drawing/2014/main" id="{3A847CC5-43AA-97C1-AD88-0E1283DC98BA}"/>
+              </a:ext>
+            </a:extLst>
+          </p:cNvPr>
+          <p:cNvCxnSpPr>
+            <a:cxnSpLocks/>
+          </p:cNvCxnSpPr>
+          <p:nvPr/>
+        </p:nvCxnSpPr>
+        <p:spPr>
+          <a:xfrm rot="5400000" flipH="1" flipV="1">
+            <a:off x="4819646" y="2732838"/>
+            <a:ext cx="1760701" cy="782793"/>
+          </a:xfrm>
+          <a:prstGeom prst="curvedConnector3">
+            <a:avLst/>
+          </a:prstGeom>
+          <a:ln>
+            <a:solidFill>
+              <a:srgbClr val="4F95DA">
+                <a:alpha val="51000"/>
+              </a:srgbClr>
+            </a:solidFill>
+            <a:tailEnd type="triangle"/>
+          </a:ln>
+        </p:spPr>
+        <p:style>
+          <a:lnRef idx="2">
+            <a:schemeClr val="accent1"/>
+          </a:lnRef>
+          <a:fillRef idx="0">
+            <a:schemeClr val="accent1"/>
+          </a:fillRef>
+          <a:effectRef idx="1">
+            <a:schemeClr val="accent1"/>
+          </a:effectRef>
+          <a:fontRef idx="minor">
+            <a:schemeClr val="tx1"/>
+          </a:fontRef>
+        </p:style>
+      </p:cxnSp>
     </p:spTree>
     <p:extLst>
       <p:ext uri="{BB962C8B-B14F-4D97-AF65-F5344CB8AC3E}">

--- a/retos/matrices/23.3.mul0/mul.pptx
+++ b/retos/matrices/23.3.mul0/mul.pptx
@@ -5,7 +5,7 @@
     <p:sldMasterId id="2147483648" r:id="rId1"/>
   </p:sldMasterIdLst>
   <p:sldIdLst>
-    <p:sldId id="256" r:id="rId2"/>
+    <p:sldId id="257" r:id="rId2"/>
   </p:sldIdLst>
   <p:sldSz cx="12192000" cy="6858000"/>
   <p:notesSz cx="6858000" cy="9144000"/>
@@ -259,7 +259,7 @@
           <a:p>
             <a:fld id="{3673D53C-7A6F-D54D-B5CB-ABB0C228F3B8}" type="datetimeFigureOut">
               <a:rPr lang="es-ES" smtClean="0"/>
-              <a:t>5/4/25</a:t>
+              <a:t>6/4/25</a:t>
             </a:fld>
             <a:endParaRPr lang="es-ES"/>
           </a:p>
@@ -457,7 +457,7 @@
           <a:p>
             <a:fld id="{3673D53C-7A6F-D54D-B5CB-ABB0C228F3B8}" type="datetimeFigureOut">
               <a:rPr lang="es-ES" smtClean="0"/>
-              <a:t>5/4/25</a:t>
+              <a:t>6/4/25</a:t>
             </a:fld>
             <a:endParaRPr lang="es-ES"/>
           </a:p>
@@ -665,7 +665,7 @@
           <a:p>
             <a:fld id="{3673D53C-7A6F-D54D-B5CB-ABB0C228F3B8}" type="datetimeFigureOut">
               <a:rPr lang="es-ES" smtClean="0"/>
-              <a:t>5/4/25</a:t>
+              <a:t>6/4/25</a:t>
             </a:fld>
             <a:endParaRPr lang="es-ES"/>
           </a:p>
@@ -863,7 +863,7 @@
           <a:p>
             <a:fld id="{3673D53C-7A6F-D54D-B5CB-ABB0C228F3B8}" type="datetimeFigureOut">
               <a:rPr lang="es-ES" smtClean="0"/>
-              <a:t>5/4/25</a:t>
+              <a:t>6/4/25</a:t>
             </a:fld>
             <a:endParaRPr lang="es-ES"/>
           </a:p>
@@ -1138,7 +1138,7 @@
           <a:p>
             <a:fld id="{3673D53C-7A6F-D54D-B5CB-ABB0C228F3B8}" type="datetimeFigureOut">
               <a:rPr lang="es-ES" smtClean="0"/>
-              <a:t>5/4/25</a:t>
+              <a:t>6/4/25</a:t>
             </a:fld>
             <a:endParaRPr lang="es-ES"/>
           </a:p>
@@ -1403,7 +1403,7 @@
           <a:p>
             <a:fld id="{3673D53C-7A6F-D54D-B5CB-ABB0C228F3B8}" type="datetimeFigureOut">
               <a:rPr lang="es-ES" smtClean="0"/>
-              <a:t>5/4/25</a:t>
+              <a:t>6/4/25</a:t>
             </a:fld>
             <a:endParaRPr lang="es-ES"/>
           </a:p>
@@ -1815,7 +1815,7 @@
           <a:p>
             <a:fld id="{3673D53C-7A6F-D54D-B5CB-ABB0C228F3B8}" type="datetimeFigureOut">
               <a:rPr lang="es-ES" smtClean="0"/>
-              <a:t>5/4/25</a:t>
+              <a:t>6/4/25</a:t>
             </a:fld>
             <a:endParaRPr lang="es-ES"/>
           </a:p>
@@ -1956,7 +1956,7 @@
           <a:p>
             <a:fld id="{3673D53C-7A6F-D54D-B5CB-ABB0C228F3B8}" type="datetimeFigureOut">
               <a:rPr lang="es-ES" smtClean="0"/>
-              <a:t>5/4/25</a:t>
+              <a:t>6/4/25</a:t>
             </a:fld>
             <a:endParaRPr lang="es-ES"/>
           </a:p>
@@ -2069,7 +2069,7 @@
           <a:p>
             <a:fld id="{3673D53C-7A6F-D54D-B5CB-ABB0C228F3B8}" type="datetimeFigureOut">
               <a:rPr lang="es-ES" smtClean="0"/>
-              <a:t>5/4/25</a:t>
+              <a:t>6/4/25</a:t>
             </a:fld>
             <a:endParaRPr lang="es-ES"/>
           </a:p>
@@ -2380,7 +2380,7 @@
           <a:p>
             <a:fld id="{3673D53C-7A6F-D54D-B5CB-ABB0C228F3B8}" type="datetimeFigureOut">
               <a:rPr lang="es-ES" smtClean="0"/>
-              <a:t>5/4/25</a:t>
+              <a:t>6/4/25</a:t>
             </a:fld>
             <a:endParaRPr lang="es-ES"/>
           </a:p>
@@ -2668,7 +2668,7 @@
           <a:p>
             <a:fld id="{3673D53C-7A6F-D54D-B5CB-ABB0C228F3B8}" type="datetimeFigureOut">
               <a:rPr lang="es-ES" smtClean="0"/>
-              <a:t>5/4/25</a:t>
+              <a:t>6/4/25</a:t>
             </a:fld>
             <a:endParaRPr lang="es-ES"/>
           </a:p>
@@ -2909,7 +2909,7 @@
           <a:p>
             <a:fld id="{3673D53C-7A6F-D54D-B5CB-ABB0C228F3B8}" type="datetimeFigureOut">
               <a:rPr lang="es-ES" smtClean="0"/>
-              <a:t>5/4/25</a:t>
+              <a:t>6/4/25</a:t>
             </a:fld>
             <a:endParaRPr lang="es-ES"/>
           </a:p>
@@ -3314,7 +3314,13 @@
   <p:cSld>
     <p:spTree>
       <p:nvGrpSpPr>
-        <p:cNvPr id="1" name=""/>
+        <p:cNvPr id="1" name="">
+          <a:extLst>
+            <a:ext uri="{FF2B5EF4-FFF2-40B4-BE49-F238E27FC236}">
+              <a16:creationId xmlns:a16="http://schemas.microsoft.com/office/drawing/2014/main" id="{F198835F-B36A-AC10-0A16-77ADF057C2A0}"/>
+            </a:ext>
+          </a:extLst>
+        </p:cNvPr>
         <p:cNvGrpSpPr/>
         <p:nvPr/>
       </p:nvGrpSpPr>
@@ -3328,10 +3334,10 @@
       </p:grpSpPr>
       <p:sp>
         <p:nvSpPr>
-          <p:cNvPr id="15" name="Rectángulo 14">
-            <a:extLst>
-              <a:ext uri="{FF2B5EF4-FFF2-40B4-BE49-F238E27FC236}">
-                <a16:creationId xmlns:a16="http://schemas.microsoft.com/office/drawing/2014/main" id="{291E3FC3-219D-F634-BE60-8146A593DA19}"/>
+          <p:cNvPr id="101" name="Rectángulo 100">
+            <a:extLst>
+              <a:ext uri="{FF2B5EF4-FFF2-40B4-BE49-F238E27FC236}">
+                <a16:creationId xmlns:a16="http://schemas.microsoft.com/office/drawing/2014/main" id="{86498EC7-55A1-8F38-3F43-F5F31F891D1E}"/>
               </a:ext>
             </a:extLst>
           </p:cNvPr>
@@ -3340,8 +3346,118 @@
         </p:nvSpPr>
         <p:spPr>
           <a:xfrm>
-            <a:off x="4425927" y="1947317"/>
+            <a:off x="947702" y="4032686"/>
             <a:ext cx="425159" cy="281123"/>
+          </a:xfrm>
+          <a:prstGeom prst="rect">
+            <a:avLst/>
+          </a:prstGeom>
+          <a:solidFill>
+            <a:schemeClr val="accent4">
+              <a:lumMod val="20000"/>
+              <a:lumOff val="80000"/>
+            </a:schemeClr>
+          </a:solidFill>
+          <a:ln>
+            <a:noFill/>
+          </a:ln>
+        </p:spPr>
+        <p:style>
+          <a:lnRef idx="2">
+            <a:schemeClr val="accent1">
+              <a:shade val="15000"/>
+            </a:schemeClr>
+          </a:lnRef>
+          <a:fillRef idx="1">
+            <a:schemeClr val="accent1"/>
+          </a:fillRef>
+          <a:effectRef idx="0">
+            <a:schemeClr val="accent1"/>
+          </a:effectRef>
+          <a:fontRef idx="minor">
+            <a:schemeClr val="lt1"/>
+          </a:fontRef>
+        </p:style>
+        <p:txBody>
+          <a:bodyPr rtlCol="0" anchor="ctr"/>
+          <a:lstStyle/>
+          <a:p>
+            <a:pPr algn="ctr"/>
+            <a:endParaRPr lang="es-ES"/>
+          </a:p>
+        </p:txBody>
+      </p:sp>
+      <p:sp>
+        <p:nvSpPr>
+          <p:cNvPr id="100" name="Rectángulo 99">
+            <a:extLst>
+              <a:ext uri="{FF2B5EF4-FFF2-40B4-BE49-F238E27FC236}">
+                <a16:creationId xmlns:a16="http://schemas.microsoft.com/office/drawing/2014/main" id="{74EEDF36-1505-689D-F22E-9B115E791748}"/>
+              </a:ext>
+            </a:extLst>
+          </p:cNvPr>
+          <p:cNvSpPr/>
+          <p:nvPr/>
+        </p:nvSpPr>
+        <p:spPr>
+          <a:xfrm>
+            <a:off x="5080528" y="4019206"/>
+            <a:ext cx="425159" cy="281123"/>
+          </a:xfrm>
+          <a:prstGeom prst="rect">
+            <a:avLst/>
+          </a:prstGeom>
+          <a:solidFill>
+            <a:schemeClr val="accent4">
+              <a:lumMod val="20000"/>
+              <a:lumOff val="80000"/>
+            </a:schemeClr>
+          </a:solidFill>
+          <a:ln>
+            <a:noFill/>
+          </a:ln>
+        </p:spPr>
+        <p:style>
+          <a:lnRef idx="2">
+            <a:schemeClr val="accent1">
+              <a:shade val="15000"/>
+            </a:schemeClr>
+          </a:lnRef>
+          <a:fillRef idx="1">
+            <a:schemeClr val="accent1"/>
+          </a:fillRef>
+          <a:effectRef idx="0">
+            <a:schemeClr val="accent1"/>
+          </a:effectRef>
+          <a:fontRef idx="minor">
+            <a:schemeClr val="lt1"/>
+          </a:fontRef>
+        </p:style>
+        <p:txBody>
+          <a:bodyPr rtlCol="0" anchor="ctr"/>
+          <a:lstStyle/>
+          <a:p>
+            <a:pPr algn="ctr"/>
+            <a:endParaRPr lang="es-ES"/>
+          </a:p>
+        </p:txBody>
+      </p:sp>
+      <p:sp>
+        <p:nvSpPr>
+          <p:cNvPr id="92" name="Rectángulo 91">
+            <a:extLst>
+              <a:ext uri="{FF2B5EF4-FFF2-40B4-BE49-F238E27FC236}">
+                <a16:creationId xmlns:a16="http://schemas.microsoft.com/office/drawing/2014/main" id="{3957EBC1-508A-40B8-D2B6-EAF5862C9CF2}"/>
+              </a:ext>
+            </a:extLst>
+          </p:cNvPr>
+          <p:cNvSpPr/>
+          <p:nvPr/>
+        </p:nvSpPr>
+        <p:spPr>
+          <a:xfrm>
+            <a:off x="3846201" y="4024735"/>
+            <a:ext cx="309815" cy="281123"/>
           </a:xfrm>
           <a:prstGeom prst="rect">
             <a:avLst/>
@@ -3383,10 +3499,10 @@
       </p:sp>
       <p:sp>
         <p:nvSpPr>
-          <p:cNvPr id="41" name="Rectángulo 40">
-            <a:extLst>
-              <a:ext uri="{FF2B5EF4-FFF2-40B4-BE49-F238E27FC236}">
-                <a16:creationId xmlns:a16="http://schemas.microsoft.com/office/drawing/2014/main" id="{6A0FD56D-49B3-F29D-1E67-9BC680082318}"/>
+          <p:cNvPr id="94" name="Rectángulo 93">
+            <a:extLst>
+              <a:ext uri="{FF2B5EF4-FFF2-40B4-BE49-F238E27FC236}">
+                <a16:creationId xmlns:a16="http://schemas.microsoft.com/office/drawing/2014/main" id="{A8D31348-F0BF-2211-78AA-258C0A335D83}"/>
               </a:ext>
             </a:extLst>
           </p:cNvPr>
@@ -3395,8 +3511,8 @@
         </p:nvSpPr>
         <p:spPr>
           <a:xfrm>
-            <a:off x="956999" y="4035324"/>
-            <a:ext cx="4504763" cy="281123"/>
+            <a:off x="2762568" y="4024735"/>
+            <a:ext cx="309815" cy="281123"/>
           </a:xfrm>
           <a:prstGeom prst="rect">
             <a:avLst/>
@@ -3438,10 +3554,10 @@
       </p:sp>
       <p:sp>
         <p:nvSpPr>
-          <p:cNvPr id="38" name="Rectángulo 37">
-            <a:extLst>
-              <a:ext uri="{FF2B5EF4-FFF2-40B4-BE49-F238E27FC236}">
-                <a16:creationId xmlns:a16="http://schemas.microsoft.com/office/drawing/2014/main" id="{3CE1D3EA-622B-12D7-9BB5-2FA26105370B}"/>
+          <p:cNvPr id="90" name="Rectángulo 89">
+            <a:extLst>
+              <a:ext uri="{FF2B5EF4-FFF2-40B4-BE49-F238E27FC236}">
+                <a16:creationId xmlns:a16="http://schemas.microsoft.com/office/drawing/2014/main" id="{2AB0D43A-D2B9-87B6-15B7-6675A5982A40}"/>
               </a:ext>
             </a:extLst>
           </p:cNvPr>
@@ -3450,8 +3566,8 @@
         </p:nvSpPr>
         <p:spPr>
           <a:xfrm>
-            <a:off x="5985473" y="1940967"/>
-            <a:ext cx="425159" cy="281123"/>
+            <a:off x="1665885" y="4024735"/>
+            <a:ext cx="309815" cy="281123"/>
           </a:xfrm>
           <a:prstGeom prst="rect">
             <a:avLst/>
@@ -3493,10 +3609,10 @@
       </p:sp>
       <p:sp>
         <p:nvSpPr>
-          <p:cNvPr id="37" name="Rectángulo 36">
-            <a:extLst>
-              <a:ext uri="{FF2B5EF4-FFF2-40B4-BE49-F238E27FC236}">
-                <a16:creationId xmlns:a16="http://schemas.microsoft.com/office/drawing/2014/main" id="{FB6ED939-54C0-EFFC-58EF-A2FBE938E4A2}"/>
+          <p:cNvPr id="96" name="Rectángulo 95">
+            <a:extLst>
+              <a:ext uri="{FF2B5EF4-FFF2-40B4-BE49-F238E27FC236}">
+                <a16:creationId xmlns:a16="http://schemas.microsoft.com/office/drawing/2014/main" id="{29ADB983-990A-F5CC-E469-E30BBE808DED}"/>
               </a:ext>
             </a:extLst>
           </p:cNvPr>
@@ -3504,15 +3620,15 @@
           <p:nvPr/>
         </p:nvSpPr>
         <p:spPr>
-          <a:xfrm rot="5400000">
-            <a:off x="2636791" y="2157984"/>
-            <a:ext cx="802231" cy="368198"/>
+          <a:xfrm>
+            <a:off x="4453032" y="4024735"/>
+            <a:ext cx="309815" cy="281123"/>
           </a:xfrm>
           <a:prstGeom prst="rect">
             <a:avLst/>
           </a:prstGeom>
           <a:solidFill>
-            <a:schemeClr val="accent6">
+            <a:schemeClr val="accent5">
               <a:lumMod val="20000"/>
               <a:lumOff val="80000"/>
             </a:schemeClr>
@@ -3548,10 +3664,10 @@
       </p:sp>
       <p:sp>
         <p:nvSpPr>
-          <p:cNvPr id="36" name="Rectángulo 35">
-            <a:extLst>
-              <a:ext uri="{FF2B5EF4-FFF2-40B4-BE49-F238E27FC236}">
-                <a16:creationId xmlns:a16="http://schemas.microsoft.com/office/drawing/2014/main" id="{66679FEE-C15B-A381-F17B-560E62E4077A}"/>
+          <p:cNvPr id="97" name="Rectángulo 96">
+            <a:extLst>
+              <a:ext uri="{FF2B5EF4-FFF2-40B4-BE49-F238E27FC236}">
+                <a16:creationId xmlns:a16="http://schemas.microsoft.com/office/drawing/2014/main" id="{957EF269-FF58-DFDB-43FC-C98423C8EE50}"/>
               </a:ext>
             </a:extLst>
           </p:cNvPr>
@@ -3560,14 +3676,14 @@
         </p:nvSpPr>
         <p:spPr>
           <a:xfrm>
-            <a:off x="918741" y="1940967"/>
-            <a:ext cx="1126369" cy="281123"/>
+            <a:off x="3313979" y="4024735"/>
+            <a:ext cx="309815" cy="281123"/>
           </a:xfrm>
           <a:prstGeom prst="rect">
             <a:avLst/>
           </a:prstGeom>
           <a:solidFill>
-            <a:schemeClr val="accent6">
+            <a:schemeClr val="accent5">
               <a:lumMod val="20000"/>
               <a:lumOff val="80000"/>
             </a:schemeClr>
@@ -3603,114 +3719,48 @@
       </p:sp>
       <p:sp>
         <p:nvSpPr>
-          <p:cNvPr id="4" name="CuadroTexto 3">
-            <a:extLst>
-              <a:ext uri="{FF2B5EF4-FFF2-40B4-BE49-F238E27FC236}">
-                <a16:creationId xmlns:a16="http://schemas.microsoft.com/office/drawing/2014/main" id="{9B99747B-CD94-5AB5-CBF8-5DA9FEA010B2}"/>
-              </a:ext>
-            </a:extLst>
-          </p:cNvPr>
-          <p:cNvSpPr txBox="1"/>
+          <p:cNvPr id="98" name="Rectángulo 97">
+            <a:extLst>
+              <a:ext uri="{FF2B5EF4-FFF2-40B4-BE49-F238E27FC236}">
+                <a16:creationId xmlns:a16="http://schemas.microsoft.com/office/drawing/2014/main" id="{6C7607BE-5584-B70B-C3CB-B71474EE84C1}"/>
+              </a:ext>
+            </a:extLst>
+          </p:cNvPr>
+          <p:cNvSpPr/>
           <p:nvPr/>
         </p:nvSpPr>
         <p:spPr>
           <a:xfrm>
-            <a:off x="873928" y="765188"/>
-            <a:ext cx="3223959" cy="584775"/>
+            <a:off x="2206212" y="4024735"/>
+            <a:ext cx="309815" cy="281123"/>
           </a:xfrm>
           <a:prstGeom prst="rect">
             <a:avLst/>
           </a:prstGeom>
-          <a:noFill/>
-        </p:spPr>
-        <p:txBody>
-          <a:bodyPr wrap="none" rtlCol="0">
-            <a:spAutoFit/>
-          </a:bodyPr>
-          <a:lstStyle/>
-          <a:p>
-            <a:r>
-              <a:rPr lang="es-ES" sz="3200" dirty="0"/>
-              <a:t>A</a:t>
-            </a:r>
-            <a:r>
-              <a:rPr lang="es-ES" sz="2800" dirty="0"/>
-              <a:t> </a:t>
-            </a:r>
-            <a:r>
-              <a:rPr lang="es-ES" sz="2000" dirty="0"/>
-              <a:t>3x3   x   </a:t>
-            </a:r>
-            <a:r>
-              <a:rPr lang="es-ES" sz="3200" dirty="0"/>
-              <a:t>B</a:t>
-            </a:r>
-            <a:r>
-              <a:rPr lang="es-ES" sz="2800" dirty="0"/>
-              <a:t> </a:t>
-            </a:r>
-            <a:r>
-              <a:rPr lang="es-ES" sz="2000" dirty="0"/>
-              <a:t>3x2   =   </a:t>
-            </a:r>
-            <a:r>
-              <a:rPr lang="es-ES" sz="3200" dirty="0"/>
-              <a:t>C</a:t>
-            </a:r>
-            <a:r>
-              <a:rPr lang="es-ES" sz="2800" dirty="0"/>
-              <a:t> </a:t>
-            </a:r>
-            <a:r>
-              <a:rPr lang="es-ES" sz="2000" dirty="0"/>
-              <a:t>3x2</a:t>
-            </a:r>
-          </a:p>
-        </p:txBody>
-      </p:sp>
-      <p:sp>
-        <p:nvSpPr>
-          <p:cNvPr id="5" name="Arco 4">
-            <a:extLst>
-              <a:ext uri="{FF2B5EF4-FFF2-40B4-BE49-F238E27FC236}">
-                <a16:creationId xmlns:a16="http://schemas.microsoft.com/office/drawing/2014/main" id="{727005CA-69DE-67E9-5A02-CC65C4DB55BE}"/>
-              </a:ext>
-            </a:extLst>
-          </p:cNvPr>
-          <p:cNvSpPr/>
-          <p:nvPr/>
-        </p:nvSpPr>
-        <p:spPr>
-          <a:xfrm rot="5400000">
-            <a:off x="1741820" y="867538"/>
-            <a:ext cx="584773" cy="826680"/>
-          </a:xfrm>
-          <a:prstGeom prst="arc">
-            <a:avLst>
-              <a:gd name="adj1" fmla="val 16200000"/>
-              <a:gd name="adj2" fmla="val 5219238"/>
-            </a:avLst>
-          </a:prstGeom>
+          <a:solidFill>
+            <a:schemeClr val="accent5">
+              <a:lumMod val="20000"/>
+              <a:lumOff val="80000"/>
+            </a:schemeClr>
+          </a:solidFill>
           <a:ln>
-            <a:solidFill>
-              <a:srgbClr val="FF0000">
-                <a:alpha val="51000"/>
-              </a:srgbClr>
-            </a:solidFill>
+            <a:noFill/>
           </a:ln>
         </p:spPr>
         <p:style>
           <a:lnRef idx="2">
-            <a:schemeClr val="accent1"/>
+            <a:schemeClr val="accent1">
+              <a:shade val="15000"/>
+            </a:schemeClr>
           </a:lnRef>
-          <a:fillRef idx="0">
+          <a:fillRef idx="1">
             <a:schemeClr val="accent1"/>
           </a:fillRef>
-          <a:effectRef idx="1">
+          <a:effectRef idx="0">
             <a:schemeClr val="accent1"/>
           </a:effectRef>
           <a:fontRef idx="minor">
-            <a:schemeClr val="tx1"/>
+            <a:schemeClr val="lt1"/>
           </a:fontRef>
         </p:style>
         <p:txBody>
@@ -3718,712 +3768,16 @@
           <a:lstStyle/>
           <a:p>
             <a:pPr algn="ctr"/>
-            <a:endParaRPr lang="es-ES" dirty="0"/>
-          </a:p>
-        </p:txBody>
-      </p:sp>
-      <p:sp>
-        <p:nvSpPr>
-          <p:cNvPr id="11" name="Cerrar llave 10">
-            <a:extLst>
-              <a:ext uri="{FF2B5EF4-FFF2-40B4-BE49-F238E27FC236}">
-                <a16:creationId xmlns:a16="http://schemas.microsoft.com/office/drawing/2014/main" id="{A5C561AF-2307-C8F8-EC7F-CFCE4786E7BA}"/>
-              </a:ext>
-            </a:extLst>
-          </p:cNvPr>
-          <p:cNvSpPr/>
-          <p:nvPr/>
-        </p:nvSpPr>
-        <p:spPr>
-          <a:xfrm rot="16200000">
-            <a:off x="3682877" y="661205"/>
-            <a:ext cx="180000" cy="342000"/>
-          </a:xfrm>
-          <a:prstGeom prst="rightBrace">
-            <a:avLst>
-              <a:gd name="adj1" fmla="val 27147"/>
-              <a:gd name="adj2" fmla="val 50000"/>
-            </a:avLst>
-          </a:prstGeom>
-          <a:ln>
-            <a:solidFill>
-              <a:schemeClr val="tx1"/>
-            </a:solidFill>
-          </a:ln>
-        </p:spPr>
-        <p:style>
-          <a:lnRef idx="2">
-            <a:schemeClr val="accent1"/>
-          </a:lnRef>
-          <a:fillRef idx="0">
-            <a:schemeClr val="accent1"/>
-          </a:fillRef>
-          <a:effectRef idx="1">
-            <a:schemeClr val="accent1"/>
-          </a:effectRef>
-          <a:fontRef idx="minor">
-            <a:schemeClr val="tx1"/>
-          </a:fontRef>
-        </p:style>
-        <p:txBody>
-          <a:bodyPr rtlCol="0" anchor="ctr"/>
-          <a:lstStyle/>
-          <a:p>
-            <a:pPr algn="ctr"/>
-            <a:endParaRPr lang="es-ES" dirty="0"/>
-          </a:p>
-        </p:txBody>
-      </p:sp>
-      <p:cxnSp>
-        <p:nvCxnSpPr>
-          <p:cNvPr id="13" name="Conector angular 12">
-            <a:extLst>
-              <a:ext uri="{FF2B5EF4-FFF2-40B4-BE49-F238E27FC236}">
-                <a16:creationId xmlns:a16="http://schemas.microsoft.com/office/drawing/2014/main" id="{C9E8F189-3A93-2791-1705-A4CD9960C6C0}"/>
-              </a:ext>
-            </a:extLst>
-          </p:cNvPr>
-          <p:cNvCxnSpPr>
-            <a:cxnSpLocks/>
-            <a:endCxn id="11" idx="1"/>
-          </p:cNvCxnSpPr>
-          <p:nvPr/>
-        </p:nvCxnSpPr>
-        <p:spPr>
-          <a:xfrm flipV="1">
-            <a:off x="1339914" y="742205"/>
-            <a:ext cx="2432963" cy="221286"/>
-          </a:xfrm>
-          <a:prstGeom prst="bentConnector4">
-            <a:avLst>
-              <a:gd name="adj1" fmla="val 408"/>
-              <a:gd name="adj2" fmla="val 194530"/>
-            </a:avLst>
-          </a:prstGeom>
-          <a:ln>
-            <a:solidFill>
-              <a:srgbClr val="4F95DA">
-                <a:alpha val="51000"/>
-              </a:srgbClr>
-            </a:solidFill>
-            <a:tailEnd type="triangle"/>
-          </a:ln>
-        </p:spPr>
-        <p:style>
-          <a:lnRef idx="2">
-            <a:schemeClr val="accent1"/>
-          </a:lnRef>
-          <a:fillRef idx="0">
-            <a:schemeClr val="accent1"/>
-          </a:fillRef>
-          <a:effectRef idx="1">
-            <a:schemeClr val="accent1"/>
-          </a:effectRef>
-          <a:fontRef idx="minor">
-            <a:schemeClr val="tx1"/>
-          </a:fontRef>
-        </p:style>
-      </p:cxnSp>
-      <p:cxnSp>
-        <p:nvCxnSpPr>
-          <p:cNvPr id="17" name="Conector angular 16">
-            <a:extLst>
-              <a:ext uri="{FF2B5EF4-FFF2-40B4-BE49-F238E27FC236}">
-                <a16:creationId xmlns:a16="http://schemas.microsoft.com/office/drawing/2014/main" id="{06005338-0313-5916-D809-8DCB31257EFB}"/>
-              </a:ext>
-            </a:extLst>
-          </p:cNvPr>
-          <p:cNvCxnSpPr>
-            <a:cxnSpLocks/>
-          </p:cNvCxnSpPr>
-          <p:nvPr/>
-        </p:nvCxnSpPr>
-        <p:spPr>
-          <a:xfrm rot="5400000" flipH="1" flipV="1">
-            <a:off x="2495796" y="737349"/>
-            <a:ext cx="432129" cy="1"/>
-          </a:xfrm>
-          <a:prstGeom prst="bentConnector3">
-            <a:avLst>
-              <a:gd name="adj1" fmla="val 50000"/>
-            </a:avLst>
-          </a:prstGeom>
-          <a:ln>
-            <a:solidFill>
-              <a:srgbClr val="4F95DA">
-                <a:alpha val="51000"/>
-              </a:srgbClr>
-            </a:solidFill>
-            <a:miter lim="800000"/>
-            <a:tailEnd type="none"/>
-          </a:ln>
-        </p:spPr>
-        <p:style>
-          <a:lnRef idx="2">
-            <a:schemeClr val="accent1"/>
-          </a:lnRef>
-          <a:fillRef idx="0">
-            <a:schemeClr val="accent1"/>
-          </a:fillRef>
-          <a:effectRef idx="1">
-            <a:schemeClr val="accent1"/>
-          </a:effectRef>
-          <a:fontRef idx="minor">
-            <a:schemeClr val="tx1"/>
-          </a:fontRef>
-        </p:style>
-      </p:cxnSp>
-      <p:sp>
-        <p:nvSpPr>
-          <p:cNvPr id="26" name="CuadroTexto 25">
-            <a:extLst>
-              <a:ext uri="{FF2B5EF4-FFF2-40B4-BE49-F238E27FC236}">
-                <a16:creationId xmlns:a16="http://schemas.microsoft.com/office/drawing/2014/main" id="{B55C6613-D522-06B3-8643-0F50C9984923}"/>
-              </a:ext>
-            </a:extLst>
-          </p:cNvPr>
-          <p:cNvSpPr txBox="1"/>
-          <p:nvPr/>
-        </p:nvSpPr>
-        <p:spPr>
-          <a:xfrm>
-            <a:off x="925032" y="1897625"/>
-            <a:ext cx="1149674" cy="923330"/>
-          </a:xfrm>
-          <a:prstGeom prst="rect">
-            <a:avLst/>
-          </a:prstGeom>
-          <a:noFill/>
-        </p:spPr>
-        <p:txBody>
-          <a:bodyPr wrap="none" rtlCol="0">
-            <a:spAutoFit/>
-          </a:bodyPr>
-          <a:lstStyle/>
-          <a:p>
-            <a:r>
-              <a:rPr lang="es-ES" dirty="0">
-                <a:latin typeface="Courier New" panose="02070309020205020404" pitchFamily="49" charset="0"/>
-                <a:cs typeface="Courier New" panose="02070309020205020404" pitchFamily="49" charset="0"/>
-              </a:rPr>
-              <a:t>4  3  2</a:t>
-            </a:r>
-          </a:p>
-          <a:p>
-            <a:r>
-              <a:rPr lang="es-ES" dirty="0">
-                <a:latin typeface="Courier New" panose="02070309020205020404" pitchFamily="49" charset="0"/>
-                <a:cs typeface="Courier New" panose="02070309020205020404" pitchFamily="49" charset="0"/>
-              </a:rPr>
-              <a:t>1  0  0</a:t>
-            </a:r>
-          </a:p>
-          <a:p>
-            <a:r>
-              <a:rPr lang="es-ES" dirty="0">
-                <a:latin typeface="Courier New" panose="02070309020205020404" pitchFamily="49" charset="0"/>
-                <a:cs typeface="Courier New" panose="02070309020205020404" pitchFamily="49" charset="0"/>
-              </a:rPr>
-              <a:t>2  4  6</a:t>
-            </a:r>
-          </a:p>
-        </p:txBody>
-      </p:sp>
-      <p:sp>
-        <p:nvSpPr>
-          <p:cNvPr id="27" name="Corchetes 26">
-            <a:extLst>
-              <a:ext uri="{FF2B5EF4-FFF2-40B4-BE49-F238E27FC236}">
-                <a16:creationId xmlns:a16="http://schemas.microsoft.com/office/drawing/2014/main" id="{0582BC29-BBCB-C717-2E43-8BB153751C43}"/>
-              </a:ext>
-            </a:extLst>
-          </p:cNvPr>
-          <p:cNvSpPr/>
-          <p:nvPr/>
-        </p:nvSpPr>
-        <p:spPr>
-          <a:xfrm>
-            <a:off x="918741" y="1956618"/>
-            <a:ext cx="1149674" cy="786580"/>
-          </a:xfrm>
-          <a:prstGeom prst="bracketPair">
-            <a:avLst>
-              <a:gd name="adj" fmla="val 6667"/>
-            </a:avLst>
-          </a:prstGeom>
-        </p:spPr>
-        <p:style>
-          <a:lnRef idx="2">
-            <a:schemeClr val="accent1"/>
-          </a:lnRef>
-          <a:fillRef idx="0">
-            <a:schemeClr val="accent1"/>
-          </a:fillRef>
-          <a:effectRef idx="1">
-            <a:schemeClr val="accent1"/>
-          </a:effectRef>
-          <a:fontRef idx="minor">
-            <a:schemeClr val="tx1"/>
-          </a:fontRef>
-        </p:style>
-        <p:txBody>
-          <a:bodyPr rtlCol="0" anchor="ctr"/>
-          <a:lstStyle/>
-          <a:p>
-            <a:pPr algn="ctr"/>
             <a:endParaRPr lang="es-ES"/>
           </a:p>
         </p:txBody>
       </p:sp>
       <p:sp>
         <p:nvSpPr>
-          <p:cNvPr id="28" name="CuadroTexto 27">
-            <a:extLst>
-              <a:ext uri="{FF2B5EF4-FFF2-40B4-BE49-F238E27FC236}">
-                <a16:creationId xmlns:a16="http://schemas.microsoft.com/office/drawing/2014/main" id="{8B6DA9A3-C32D-65D6-3FA4-20C49DA340BF}"/>
-              </a:ext>
-            </a:extLst>
-          </p:cNvPr>
-          <p:cNvSpPr txBox="1"/>
-          <p:nvPr/>
-        </p:nvSpPr>
-        <p:spPr>
-          <a:xfrm>
-            <a:off x="2492199" y="1897625"/>
-            <a:ext cx="736099" cy="923330"/>
-          </a:xfrm>
-          <a:prstGeom prst="rect">
-            <a:avLst/>
-          </a:prstGeom>
-          <a:noFill/>
-        </p:spPr>
-        <p:txBody>
-          <a:bodyPr wrap="none" rtlCol="0">
-            <a:spAutoFit/>
-          </a:bodyPr>
-          <a:lstStyle/>
-          <a:p>
-            <a:r>
-              <a:rPr lang="es-ES" dirty="0">
-                <a:latin typeface="Courier New" panose="02070309020205020404" pitchFamily="49" charset="0"/>
-                <a:cs typeface="Courier New" panose="02070309020205020404" pitchFamily="49" charset="0"/>
-              </a:rPr>
-              <a:t>2  1</a:t>
-            </a:r>
-          </a:p>
-          <a:p>
-            <a:r>
-              <a:rPr lang="es-ES" dirty="0">
-                <a:latin typeface="Courier New" panose="02070309020205020404" pitchFamily="49" charset="0"/>
-                <a:cs typeface="Courier New" panose="02070309020205020404" pitchFamily="49" charset="0"/>
-              </a:rPr>
-              <a:t>4  3</a:t>
-            </a:r>
-          </a:p>
-          <a:p>
-            <a:r>
-              <a:rPr lang="es-ES" dirty="0">
-                <a:latin typeface="Courier New" panose="02070309020205020404" pitchFamily="49" charset="0"/>
-                <a:cs typeface="Courier New" panose="02070309020205020404" pitchFamily="49" charset="0"/>
-              </a:rPr>
-              <a:t>5 -1</a:t>
-            </a:r>
-          </a:p>
-        </p:txBody>
-      </p:sp>
-      <p:sp>
-        <p:nvSpPr>
-          <p:cNvPr id="29" name="Corchetes 28">
-            <a:extLst>
-              <a:ext uri="{FF2B5EF4-FFF2-40B4-BE49-F238E27FC236}">
-                <a16:creationId xmlns:a16="http://schemas.microsoft.com/office/drawing/2014/main" id="{B7D8E481-C320-EFDD-0460-179F4E907DDE}"/>
-              </a:ext>
-            </a:extLst>
-          </p:cNvPr>
-          <p:cNvSpPr/>
-          <p:nvPr/>
-        </p:nvSpPr>
-        <p:spPr>
-          <a:xfrm>
-            <a:off x="2485908" y="1956618"/>
-            <a:ext cx="736099" cy="786580"/>
-          </a:xfrm>
-          <a:prstGeom prst="bracketPair">
-            <a:avLst>
-              <a:gd name="adj" fmla="val 6667"/>
-            </a:avLst>
-          </a:prstGeom>
-        </p:spPr>
-        <p:style>
-          <a:lnRef idx="2">
-            <a:schemeClr val="accent1"/>
-          </a:lnRef>
-          <a:fillRef idx="0">
-            <a:schemeClr val="accent1"/>
-          </a:fillRef>
-          <a:effectRef idx="1">
-            <a:schemeClr val="accent1"/>
-          </a:effectRef>
-          <a:fontRef idx="minor">
-            <a:schemeClr val="tx1"/>
-          </a:fontRef>
-        </p:style>
-        <p:txBody>
-          <a:bodyPr rtlCol="0" anchor="ctr"/>
-          <a:lstStyle/>
-          <a:p>
-            <a:pPr algn="ctr"/>
-            <a:endParaRPr lang="es-ES"/>
-          </a:p>
-        </p:txBody>
-      </p:sp>
-      <p:sp>
-        <p:nvSpPr>
-          <p:cNvPr id="31" name="CuadroTexto 30">
-            <a:extLst>
-              <a:ext uri="{FF2B5EF4-FFF2-40B4-BE49-F238E27FC236}">
-                <a16:creationId xmlns:a16="http://schemas.microsoft.com/office/drawing/2014/main" id="{A5949BC2-1560-1C5B-7BFC-897C7DAADEBA}"/>
-              </a:ext>
-            </a:extLst>
-          </p:cNvPr>
-          <p:cNvSpPr txBox="1"/>
-          <p:nvPr/>
-        </p:nvSpPr>
-        <p:spPr>
-          <a:xfrm>
-            <a:off x="2126087" y="2165242"/>
-            <a:ext cx="3763435" cy="369332"/>
-          </a:xfrm>
-          <a:prstGeom prst="rect">
-            <a:avLst/>
-          </a:prstGeom>
-          <a:noFill/>
-        </p:spPr>
-        <p:txBody>
-          <a:bodyPr wrap="square">
-            <a:spAutoFit/>
-          </a:bodyPr>
-          <a:lstStyle/>
-          <a:p>
-            <a:r>
-              <a:rPr lang="es-ES" dirty="0">
-                <a:solidFill>
-                  <a:prstClr val="black"/>
-                </a:solidFill>
-                <a:latin typeface="Courier New" panose="02070309020205020404" pitchFamily="49" charset="0"/>
-                <a:cs typeface="Courier New" panose="02070309020205020404" pitchFamily="49" charset="0"/>
-              </a:rPr>
-              <a:t>x        =           </a:t>
-            </a:r>
-            <a:r>
-              <a:rPr lang="es-ES" sz="900" dirty="0">
-                <a:solidFill>
-                  <a:prstClr val="black"/>
-                </a:solidFill>
-                <a:latin typeface="Courier New" panose="02070309020205020404" pitchFamily="49" charset="0"/>
-                <a:cs typeface="Courier New" panose="02070309020205020404" pitchFamily="49" charset="0"/>
-              </a:rPr>
-              <a:t> </a:t>
-            </a:r>
-            <a:r>
-              <a:rPr lang="es-ES" dirty="0">
-                <a:solidFill>
-                  <a:prstClr val="black"/>
-                </a:solidFill>
-                <a:latin typeface="Courier New" panose="02070309020205020404" pitchFamily="49" charset="0"/>
-                <a:cs typeface="Courier New" panose="02070309020205020404" pitchFamily="49" charset="0"/>
-              </a:rPr>
-              <a:t>=</a:t>
-            </a:r>
-            <a:endParaRPr lang="es-ES" dirty="0"/>
-          </a:p>
-        </p:txBody>
-      </p:sp>
-      <p:sp>
-        <p:nvSpPr>
-          <p:cNvPr id="32" name="CuadroTexto 31">
-            <a:extLst>
-              <a:ext uri="{FF2B5EF4-FFF2-40B4-BE49-F238E27FC236}">
-                <a16:creationId xmlns:a16="http://schemas.microsoft.com/office/drawing/2014/main" id="{8D4E4CEF-8050-4B40-C2D3-D6EF1CA18117}"/>
-              </a:ext>
-            </a:extLst>
-          </p:cNvPr>
-          <p:cNvSpPr txBox="1"/>
-          <p:nvPr/>
-        </p:nvSpPr>
-        <p:spPr>
-          <a:xfrm>
-            <a:off x="3780941" y="1881974"/>
-            <a:ext cx="1133644" cy="923330"/>
-          </a:xfrm>
-          <a:prstGeom prst="rect">
-            <a:avLst/>
-          </a:prstGeom>
-          <a:noFill/>
-        </p:spPr>
-        <p:txBody>
-          <a:bodyPr wrap="none" rtlCol="0">
-            <a:spAutoFit/>
-          </a:bodyPr>
-          <a:lstStyle/>
-          <a:p>
-            <a:r>
-              <a:rPr lang="es-ES" dirty="0">
-                <a:latin typeface="Courier New" panose="02070309020205020404" pitchFamily="49" charset="0"/>
-                <a:cs typeface="Courier New" panose="02070309020205020404" pitchFamily="49" charset="0"/>
-              </a:rPr>
-              <a:t>C</a:t>
-            </a:r>
-            <a:r>
-              <a:rPr lang="es-ES" baseline="-25000" dirty="0">
-                <a:latin typeface="+mj-lt"/>
-                <a:cs typeface="Courier New" panose="02070309020205020404" pitchFamily="49" charset="0"/>
-              </a:rPr>
-              <a:t>0,0</a:t>
-            </a:r>
-            <a:r>
-              <a:rPr lang="es-ES" dirty="0">
-                <a:latin typeface="Courier New" panose="02070309020205020404" pitchFamily="49" charset="0"/>
-                <a:cs typeface="Courier New" panose="02070309020205020404" pitchFamily="49" charset="0"/>
-              </a:rPr>
-              <a:t>  C</a:t>
-            </a:r>
-            <a:r>
-              <a:rPr lang="es-ES" baseline="-25000" dirty="0">
-                <a:latin typeface="+mj-lt"/>
-                <a:cs typeface="Courier New" panose="02070309020205020404" pitchFamily="49" charset="0"/>
-              </a:rPr>
-              <a:t>0,1</a:t>
-            </a:r>
-            <a:endParaRPr lang="es-ES" dirty="0">
-              <a:latin typeface="Courier New" panose="02070309020205020404" pitchFamily="49" charset="0"/>
-              <a:cs typeface="Courier New" panose="02070309020205020404" pitchFamily="49" charset="0"/>
-            </a:endParaRPr>
-          </a:p>
-          <a:p>
-            <a:r>
-              <a:rPr lang="es-ES" dirty="0">
-                <a:latin typeface="Courier New" panose="02070309020205020404" pitchFamily="49" charset="0"/>
-                <a:cs typeface="Courier New" panose="02070309020205020404" pitchFamily="49" charset="0"/>
-              </a:rPr>
-              <a:t>C</a:t>
-            </a:r>
-            <a:r>
-              <a:rPr lang="es-ES" baseline="-25000" dirty="0">
-                <a:latin typeface="+mj-lt"/>
-                <a:cs typeface="Courier New" panose="02070309020205020404" pitchFamily="49" charset="0"/>
-              </a:rPr>
-              <a:t>1,0</a:t>
-            </a:r>
-            <a:r>
-              <a:rPr lang="es-ES" dirty="0">
-                <a:latin typeface="Courier New" panose="02070309020205020404" pitchFamily="49" charset="0"/>
-                <a:cs typeface="Courier New" panose="02070309020205020404" pitchFamily="49" charset="0"/>
-              </a:rPr>
-              <a:t>  C</a:t>
-            </a:r>
-            <a:r>
-              <a:rPr lang="es-ES" baseline="-25000" dirty="0">
-                <a:latin typeface="+mj-lt"/>
-                <a:cs typeface="Courier New" panose="02070309020205020404" pitchFamily="49" charset="0"/>
-              </a:rPr>
-              <a:t>1,1</a:t>
-            </a:r>
-            <a:endParaRPr lang="es-ES" dirty="0">
-              <a:latin typeface="Courier New" panose="02070309020205020404" pitchFamily="49" charset="0"/>
-              <a:cs typeface="Courier New" panose="02070309020205020404" pitchFamily="49" charset="0"/>
-            </a:endParaRPr>
-          </a:p>
-          <a:p>
-            <a:r>
-              <a:rPr lang="es-ES" dirty="0">
-                <a:latin typeface="Courier New" panose="02070309020205020404" pitchFamily="49" charset="0"/>
-                <a:cs typeface="Courier New" panose="02070309020205020404" pitchFamily="49" charset="0"/>
-              </a:rPr>
-              <a:t>C</a:t>
-            </a:r>
-            <a:r>
-              <a:rPr lang="es-ES" baseline="-25000" dirty="0">
-                <a:latin typeface="+mj-lt"/>
-                <a:cs typeface="Courier New" panose="02070309020205020404" pitchFamily="49" charset="0"/>
-              </a:rPr>
-              <a:t>2,0</a:t>
-            </a:r>
-            <a:r>
-              <a:rPr lang="es-ES" dirty="0">
-                <a:latin typeface="Courier New" panose="02070309020205020404" pitchFamily="49" charset="0"/>
-                <a:cs typeface="Courier New" panose="02070309020205020404" pitchFamily="49" charset="0"/>
-              </a:rPr>
-              <a:t>  C</a:t>
-            </a:r>
-            <a:r>
-              <a:rPr lang="es-ES" baseline="-25000" dirty="0">
-                <a:latin typeface="+mj-lt"/>
-                <a:cs typeface="Courier New" panose="02070309020205020404" pitchFamily="49" charset="0"/>
-              </a:rPr>
-              <a:t>2,1</a:t>
-            </a:r>
-            <a:endParaRPr lang="es-ES" dirty="0">
-              <a:latin typeface="Courier New" panose="02070309020205020404" pitchFamily="49" charset="0"/>
-              <a:cs typeface="Courier New" panose="02070309020205020404" pitchFamily="49" charset="0"/>
-            </a:endParaRPr>
-          </a:p>
-        </p:txBody>
-      </p:sp>
-      <p:sp>
-        <p:nvSpPr>
-          <p:cNvPr id="33" name="Corchetes 32">
-            <a:extLst>
-              <a:ext uri="{FF2B5EF4-FFF2-40B4-BE49-F238E27FC236}">
-                <a16:creationId xmlns:a16="http://schemas.microsoft.com/office/drawing/2014/main" id="{E7371E6A-0AEB-38E0-3F68-98432927E811}"/>
-              </a:ext>
-            </a:extLst>
-          </p:cNvPr>
-          <p:cNvSpPr/>
-          <p:nvPr/>
-        </p:nvSpPr>
-        <p:spPr>
-          <a:xfrm>
-            <a:off x="3774650" y="1940967"/>
-            <a:ext cx="1191316" cy="786580"/>
-          </a:xfrm>
-          <a:prstGeom prst="bracketPair">
-            <a:avLst>
-              <a:gd name="adj" fmla="val 6667"/>
-            </a:avLst>
-          </a:prstGeom>
-        </p:spPr>
-        <p:style>
-          <a:lnRef idx="2">
-            <a:schemeClr val="accent1"/>
-          </a:lnRef>
-          <a:fillRef idx="0">
-            <a:schemeClr val="accent1"/>
-          </a:fillRef>
-          <a:effectRef idx="1">
-            <a:schemeClr val="accent1"/>
-          </a:effectRef>
-          <a:fontRef idx="minor">
-            <a:schemeClr val="tx1"/>
-          </a:fontRef>
-        </p:style>
-        <p:txBody>
-          <a:bodyPr rtlCol="0" anchor="ctr"/>
-          <a:lstStyle/>
-          <a:p>
-            <a:pPr algn="ctr"/>
-            <a:endParaRPr lang="es-ES"/>
-          </a:p>
-        </p:txBody>
-      </p:sp>
-      <p:sp>
-        <p:nvSpPr>
-          <p:cNvPr id="34" name="CuadroTexto 33">
-            <a:extLst>
-              <a:ext uri="{FF2B5EF4-FFF2-40B4-BE49-F238E27FC236}">
-                <a16:creationId xmlns:a16="http://schemas.microsoft.com/office/drawing/2014/main" id="{74A6553B-07AF-8860-6246-A9E9F51F9536}"/>
-              </a:ext>
-            </a:extLst>
-          </p:cNvPr>
-          <p:cNvSpPr txBox="1"/>
-          <p:nvPr/>
-        </p:nvSpPr>
-        <p:spPr>
-          <a:xfrm>
-            <a:off x="5468053" y="1897625"/>
-            <a:ext cx="1011815" cy="923330"/>
-          </a:xfrm>
-          <a:prstGeom prst="rect">
-            <a:avLst/>
-          </a:prstGeom>
-          <a:noFill/>
-        </p:spPr>
-        <p:txBody>
-          <a:bodyPr wrap="none" rtlCol="0">
-            <a:spAutoFit/>
-          </a:bodyPr>
-          <a:lstStyle/>
-          <a:p>
-            <a:r>
-              <a:rPr lang="es-ES" dirty="0">
-                <a:latin typeface="Courier New" panose="02070309020205020404" pitchFamily="49" charset="0"/>
-                <a:cs typeface="Courier New" panose="02070309020205020404" pitchFamily="49" charset="0"/>
-              </a:rPr>
-              <a:t>30  11</a:t>
-            </a:r>
-          </a:p>
-          <a:p>
-            <a:r>
-              <a:rPr lang="es-ES" dirty="0">
-                <a:latin typeface="Courier New" panose="02070309020205020404" pitchFamily="49" charset="0"/>
-                <a:cs typeface="Courier New" panose="02070309020205020404" pitchFamily="49" charset="0"/>
-              </a:rPr>
-              <a:t> 2   1</a:t>
-            </a:r>
-          </a:p>
-          <a:p>
-            <a:r>
-              <a:rPr lang="es-ES" dirty="0">
-                <a:latin typeface="Courier New" panose="02070309020205020404" pitchFamily="49" charset="0"/>
-                <a:cs typeface="Courier New" panose="02070309020205020404" pitchFamily="49" charset="0"/>
-              </a:rPr>
-              <a:t>50   8</a:t>
-            </a:r>
-          </a:p>
-        </p:txBody>
-      </p:sp>
-      <p:sp>
-        <p:nvSpPr>
-          <p:cNvPr id="35" name="Corchetes 34">
-            <a:extLst>
-              <a:ext uri="{FF2B5EF4-FFF2-40B4-BE49-F238E27FC236}">
-                <a16:creationId xmlns:a16="http://schemas.microsoft.com/office/drawing/2014/main" id="{4173F093-9DE7-EB64-A3CE-33DD02EDCF56}"/>
-              </a:ext>
-            </a:extLst>
-          </p:cNvPr>
-          <p:cNvSpPr/>
-          <p:nvPr/>
-        </p:nvSpPr>
-        <p:spPr>
-          <a:xfrm>
-            <a:off x="5461762" y="1956618"/>
-            <a:ext cx="974112" cy="786580"/>
-          </a:xfrm>
-          <a:prstGeom prst="bracketPair">
-            <a:avLst>
-              <a:gd name="adj" fmla="val 6667"/>
-            </a:avLst>
-          </a:prstGeom>
-        </p:spPr>
-        <p:style>
-          <a:lnRef idx="2">
-            <a:schemeClr val="accent1"/>
-          </a:lnRef>
-          <a:fillRef idx="0">
-            <a:schemeClr val="accent1"/>
-          </a:fillRef>
-          <a:effectRef idx="1">
-            <a:schemeClr val="accent1"/>
-          </a:effectRef>
-          <a:fontRef idx="minor">
-            <a:schemeClr val="tx1"/>
-          </a:fontRef>
-        </p:style>
-        <p:txBody>
-          <a:bodyPr rtlCol="0" anchor="ctr"/>
-          <a:lstStyle/>
-          <a:p>
-            <a:pPr algn="ctr"/>
-            <a:endParaRPr lang="es-ES"/>
-          </a:p>
-        </p:txBody>
-      </p:sp>
-      <p:sp>
-        <p:nvSpPr>
           <p:cNvPr id="40" name="CuadroTexto 39">
             <a:extLst>
               <a:ext uri="{FF2B5EF4-FFF2-40B4-BE49-F238E27FC236}">
-                <a16:creationId xmlns:a16="http://schemas.microsoft.com/office/drawing/2014/main" id="{20890AB4-C448-017E-6668-89CE1F6FB3C1}"/>
+                <a16:creationId xmlns:a16="http://schemas.microsoft.com/office/drawing/2014/main" id="{E7D9FDD6-3412-45AC-1B08-70FBC37E6B46}"/>
               </a:ext>
             </a:extLst>
           </p:cNvPr>
@@ -4503,12 +3857,455 @@
           </a:p>
         </p:txBody>
       </p:sp>
+      <p:sp>
+        <p:nvSpPr>
+          <p:cNvPr id="15" name="Rectángulo 14">
+            <a:extLst>
+              <a:ext uri="{FF2B5EF4-FFF2-40B4-BE49-F238E27FC236}">
+                <a16:creationId xmlns:a16="http://schemas.microsoft.com/office/drawing/2014/main" id="{D5CF04BC-2944-A551-0466-2B7B07CFDC0D}"/>
+              </a:ext>
+            </a:extLst>
+          </p:cNvPr>
+          <p:cNvSpPr/>
+          <p:nvPr/>
+        </p:nvSpPr>
+        <p:spPr>
+          <a:xfrm>
+            <a:off x="4425927" y="1947317"/>
+            <a:ext cx="425159" cy="281123"/>
+          </a:xfrm>
+          <a:prstGeom prst="rect">
+            <a:avLst/>
+          </a:prstGeom>
+          <a:solidFill>
+            <a:schemeClr val="accent4">
+              <a:lumMod val="20000"/>
+              <a:lumOff val="80000"/>
+            </a:schemeClr>
+          </a:solidFill>
+          <a:ln>
+            <a:noFill/>
+          </a:ln>
+        </p:spPr>
+        <p:style>
+          <a:lnRef idx="2">
+            <a:schemeClr val="accent1">
+              <a:shade val="15000"/>
+            </a:schemeClr>
+          </a:lnRef>
+          <a:fillRef idx="1">
+            <a:schemeClr val="accent1"/>
+          </a:fillRef>
+          <a:effectRef idx="0">
+            <a:schemeClr val="accent1"/>
+          </a:effectRef>
+          <a:fontRef idx="minor">
+            <a:schemeClr val="lt1"/>
+          </a:fontRef>
+        </p:style>
+        <p:txBody>
+          <a:bodyPr rtlCol="0" anchor="ctr"/>
+          <a:lstStyle/>
+          <a:p>
+            <a:pPr algn="ctr"/>
+            <a:endParaRPr lang="es-ES"/>
+          </a:p>
+        </p:txBody>
+      </p:sp>
+      <p:sp>
+        <p:nvSpPr>
+          <p:cNvPr id="38" name="Rectángulo 37">
+            <a:extLst>
+              <a:ext uri="{FF2B5EF4-FFF2-40B4-BE49-F238E27FC236}">
+                <a16:creationId xmlns:a16="http://schemas.microsoft.com/office/drawing/2014/main" id="{2536E32E-E5EC-7C62-CDE9-17CC481D6F8B}"/>
+              </a:ext>
+            </a:extLst>
+          </p:cNvPr>
+          <p:cNvSpPr/>
+          <p:nvPr/>
+        </p:nvSpPr>
+        <p:spPr>
+          <a:xfrm>
+            <a:off x="5985473" y="1940967"/>
+            <a:ext cx="425159" cy="281123"/>
+          </a:xfrm>
+          <a:prstGeom prst="rect">
+            <a:avLst/>
+          </a:prstGeom>
+          <a:solidFill>
+            <a:schemeClr val="accent4">
+              <a:lumMod val="20000"/>
+              <a:lumOff val="80000"/>
+            </a:schemeClr>
+          </a:solidFill>
+          <a:ln>
+            <a:noFill/>
+          </a:ln>
+        </p:spPr>
+        <p:style>
+          <a:lnRef idx="2">
+            <a:schemeClr val="accent1">
+              <a:shade val="15000"/>
+            </a:schemeClr>
+          </a:lnRef>
+          <a:fillRef idx="1">
+            <a:schemeClr val="accent1"/>
+          </a:fillRef>
+          <a:effectRef idx="0">
+            <a:schemeClr val="accent1"/>
+          </a:effectRef>
+          <a:fontRef idx="minor">
+            <a:schemeClr val="lt1"/>
+          </a:fontRef>
+        </p:style>
+        <p:txBody>
+          <a:bodyPr rtlCol="0" anchor="ctr"/>
+          <a:lstStyle/>
+          <a:p>
+            <a:pPr algn="ctr"/>
+            <a:endParaRPr lang="es-ES"/>
+          </a:p>
+        </p:txBody>
+      </p:sp>
+      <p:sp>
+        <p:nvSpPr>
+          <p:cNvPr id="37" name="Rectángulo 36">
+            <a:extLst>
+              <a:ext uri="{FF2B5EF4-FFF2-40B4-BE49-F238E27FC236}">
+                <a16:creationId xmlns:a16="http://schemas.microsoft.com/office/drawing/2014/main" id="{561EF0BC-6C20-1C7A-B215-302DA3D21E2B}"/>
+              </a:ext>
+            </a:extLst>
+          </p:cNvPr>
+          <p:cNvSpPr/>
+          <p:nvPr/>
+        </p:nvSpPr>
+        <p:spPr>
+          <a:xfrm rot="5400000">
+            <a:off x="2636791" y="2157984"/>
+            <a:ext cx="802231" cy="368198"/>
+          </a:xfrm>
+          <a:prstGeom prst="rect">
+            <a:avLst/>
+          </a:prstGeom>
+          <a:solidFill>
+            <a:schemeClr val="accent5">
+              <a:lumMod val="20000"/>
+              <a:lumOff val="80000"/>
+            </a:schemeClr>
+          </a:solidFill>
+          <a:ln>
+            <a:noFill/>
+          </a:ln>
+        </p:spPr>
+        <p:style>
+          <a:lnRef idx="2">
+            <a:schemeClr val="accent1">
+              <a:shade val="15000"/>
+            </a:schemeClr>
+          </a:lnRef>
+          <a:fillRef idx="1">
+            <a:schemeClr val="accent1"/>
+          </a:fillRef>
+          <a:effectRef idx="0">
+            <a:schemeClr val="accent1"/>
+          </a:effectRef>
+          <a:fontRef idx="minor">
+            <a:schemeClr val="lt1"/>
+          </a:fontRef>
+        </p:style>
+        <p:txBody>
+          <a:bodyPr rtlCol="0" anchor="ctr"/>
+          <a:lstStyle/>
+          <a:p>
+            <a:pPr algn="ctr"/>
+            <a:endParaRPr lang="es-ES"/>
+          </a:p>
+        </p:txBody>
+      </p:sp>
+      <p:sp>
+        <p:nvSpPr>
+          <p:cNvPr id="36" name="Rectángulo 35">
+            <a:extLst>
+              <a:ext uri="{FF2B5EF4-FFF2-40B4-BE49-F238E27FC236}">
+                <a16:creationId xmlns:a16="http://schemas.microsoft.com/office/drawing/2014/main" id="{1920F6C6-239E-2555-F249-5CFC1B3C089A}"/>
+              </a:ext>
+            </a:extLst>
+          </p:cNvPr>
+          <p:cNvSpPr/>
+          <p:nvPr/>
+        </p:nvSpPr>
+        <p:spPr>
+          <a:xfrm>
+            <a:off x="918741" y="1940967"/>
+            <a:ext cx="1126369" cy="281123"/>
+          </a:xfrm>
+          <a:prstGeom prst="rect">
+            <a:avLst/>
+          </a:prstGeom>
+          <a:solidFill>
+            <a:schemeClr val="accent6">
+              <a:lumMod val="20000"/>
+              <a:lumOff val="80000"/>
+            </a:schemeClr>
+          </a:solidFill>
+          <a:ln>
+            <a:noFill/>
+          </a:ln>
+        </p:spPr>
+        <p:style>
+          <a:lnRef idx="2">
+            <a:schemeClr val="accent1">
+              <a:shade val="15000"/>
+            </a:schemeClr>
+          </a:lnRef>
+          <a:fillRef idx="1">
+            <a:schemeClr val="accent1"/>
+          </a:fillRef>
+          <a:effectRef idx="0">
+            <a:schemeClr val="accent1"/>
+          </a:effectRef>
+          <a:fontRef idx="minor">
+            <a:schemeClr val="lt1"/>
+          </a:fontRef>
+        </p:style>
+        <p:txBody>
+          <a:bodyPr rtlCol="0" anchor="ctr"/>
+          <a:lstStyle/>
+          <a:p>
+            <a:pPr algn="ctr"/>
+            <a:endParaRPr lang="es-ES"/>
+          </a:p>
+        </p:txBody>
+      </p:sp>
+      <p:sp>
+        <p:nvSpPr>
+          <p:cNvPr id="4" name="CuadroTexto 3">
+            <a:extLst>
+              <a:ext uri="{FF2B5EF4-FFF2-40B4-BE49-F238E27FC236}">
+                <a16:creationId xmlns:a16="http://schemas.microsoft.com/office/drawing/2014/main" id="{7668D746-9465-1332-A97B-30980C499DB6}"/>
+              </a:ext>
+            </a:extLst>
+          </p:cNvPr>
+          <p:cNvSpPr txBox="1"/>
+          <p:nvPr/>
+        </p:nvSpPr>
+        <p:spPr>
+          <a:xfrm>
+            <a:off x="873928" y="765188"/>
+            <a:ext cx="3223959" cy="584775"/>
+          </a:xfrm>
+          <a:prstGeom prst="rect">
+            <a:avLst/>
+          </a:prstGeom>
+          <a:noFill/>
+        </p:spPr>
+        <p:txBody>
+          <a:bodyPr wrap="none" rtlCol="0">
+            <a:spAutoFit/>
+          </a:bodyPr>
+          <a:lstStyle/>
+          <a:p>
+            <a:r>
+              <a:rPr lang="es-ES" sz="3200" dirty="0"/>
+              <a:t>A</a:t>
+            </a:r>
+            <a:r>
+              <a:rPr lang="es-ES" sz="2800" dirty="0"/>
+              <a:t> </a:t>
+            </a:r>
+            <a:r>
+              <a:rPr lang="es-ES" sz="2000" dirty="0"/>
+              <a:t>3x3   x   </a:t>
+            </a:r>
+            <a:r>
+              <a:rPr lang="es-ES" sz="3200" dirty="0"/>
+              <a:t>B</a:t>
+            </a:r>
+            <a:r>
+              <a:rPr lang="es-ES" sz="2800" dirty="0"/>
+              <a:t> </a:t>
+            </a:r>
+            <a:r>
+              <a:rPr lang="es-ES" sz="2000" dirty="0"/>
+              <a:t>3x2   =   </a:t>
+            </a:r>
+            <a:r>
+              <a:rPr lang="es-ES" sz="3200" dirty="0"/>
+              <a:t>C</a:t>
+            </a:r>
+            <a:r>
+              <a:rPr lang="es-ES" sz="2800" dirty="0"/>
+              <a:t> </a:t>
+            </a:r>
+            <a:r>
+              <a:rPr lang="es-ES" sz="2000" dirty="0"/>
+              <a:t>3x2</a:t>
+            </a:r>
+          </a:p>
+        </p:txBody>
+      </p:sp>
+      <p:sp>
+        <p:nvSpPr>
+          <p:cNvPr id="5" name="Arco 4">
+            <a:extLst>
+              <a:ext uri="{FF2B5EF4-FFF2-40B4-BE49-F238E27FC236}">
+                <a16:creationId xmlns:a16="http://schemas.microsoft.com/office/drawing/2014/main" id="{D5691E72-967C-3C12-B284-DD291563E8D7}"/>
+              </a:ext>
+            </a:extLst>
+          </p:cNvPr>
+          <p:cNvSpPr/>
+          <p:nvPr/>
+        </p:nvSpPr>
+        <p:spPr>
+          <a:xfrm rot="5400000">
+            <a:off x="1849540" y="825132"/>
+            <a:ext cx="369333" cy="826680"/>
+          </a:xfrm>
+          <a:prstGeom prst="arc">
+            <a:avLst>
+              <a:gd name="adj1" fmla="val 16200000"/>
+              <a:gd name="adj2" fmla="val 5219238"/>
+            </a:avLst>
+          </a:prstGeom>
+          <a:ln>
+            <a:solidFill>
+              <a:srgbClr val="FF0000">
+                <a:alpha val="51000"/>
+              </a:srgbClr>
+            </a:solidFill>
+          </a:ln>
+        </p:spPr>
+        <p:style>
+          <a:lnRef idx="2">
+            <a:schemeClr val="accent1"/>
+          </a:lnRef>
+          <a:fillRef idx="0">
+            <a:schemeClr val="accent1"/>
+          </a:fillRef>
+          <a:effectRef idx="1">
+            <a:schemeClr val="accent1"/>
+          </a:effectRef>
+          <a:fontRef idx="minor">
+            <a:schemeClr val="tx1"/>
+          </a:fontRef>
+        </p:style>
+        <p:txBody>
+          <a:bodyPr rtlCol="0" anchor="ctr"/>
+          <a:lstStyle/>
+          <a:p>
+            <a:pPr algn="ctr"/>
+            <a:endParaRPr lang="es-ES" dirty="0"/>
+          </a:p>
+        </p:txBody>
+      </p:sp>
+      <p:sp>
+        <p:nvSpPr>
+          <p:cNvPr id="11" name="Cerrar llave 10">
+            <a:extLst>
+              <a:ext uri="{FF2B5EF4-FFF2-40B4-BE49-F238E27FC236}">
+                <a16:creationId xmlns:a16="http://schemas.microsoft.com/office/drawing/2014/main" id="{DF4A258C-D63E-6496-5C91-C2C385037607}"/>
+              </a:ext>
+            </a:extLst>
+          </p:cNvPr>
+          <p:cNvSpPr/>
+          <p:nvPr/>
+        </p:nvSpPr>
+        <p:spPr>
+          <a:xfrm rot="16200000">
+            <a:off x="3682877" y="661205"/>
+            <a:ext cx="180000" cy="342000"/>
+          </a:xfrm>
+          <a:prstGeom prst="rightBrace">
+            <a:avLst>
+              <a:gd name="adj1" fmla="val 27147"/>
+              <a:gd name="adj2" fmla="val 50000"/>
+            </a:avLst>
+          </a:prstGeom>
+          <a:ln>
+            <a:solidFill>
+              <a:schemeClr val="tx1"/>
+            </a:solidFill>
+          </a:ln>
+        </p:spPr>
+        <p:style>
+          <a:lnRef idx="2">
+            <a:schemeClr val="accent1"/>
+          </a:lnRef>
+          <a:fillRef idx="0">
+            <a:schemeClr val="accent1"/>
+          </a:fillRef>
+          <a:effectRef idx="1">
+            <a:schemeClr val="accent1"/>
+          </a:effectRef>
+          <a:fontRef idx="minor">
+            <a:schemeClr val="tx1"/>
+          </a:fontRef>
+        </p:style>
+        <p:txBody>
+          <a:bodyPr rtlCol="0" anchor="ctr"/>
+          <a:lstStyle/>
+          <a:p>
+            <a:pPr algn="ctr"/>
+            <a:endParaRPr lang="es-ES" dirty="0"/>
+          </a:p>
+        </p:txBody>
+      </p:sp>
       <p:cxnSp>
         <p:nvCxnSpPr>
-          <p:cNvPr id="3" name="Conector curvado 2">
-            <a:extLst>
-              <a:ext uri="{FF2B5EF4-FFF2-40B4-BE49-F238E27FC236}">
-                <a16:creationId xmlns:a16="http://schemas.microsoft.com/office/drawing/2014/main" id="{288D187E-328E-6194-AEAA-40BD4B7087A4}"/>
+          <p:cNvPr id="13" name="Conector angular 12">
+            <a:extLst>
+              <a:ext uri="{FF2B5EF4-FFF2-40B4-BE49-F238E27FC236}">
+                <a16:creationId xmlns:a16="http://schemas.microsoft.com/office/drawing/2014/main" id="{17E7F4E2-1801-774C-C359-A677D9003853}"/>
+              </a:ext>
+            </a:extLst>
+          </p:cNvPr>
+          <p:cNvCxnSpPr>
+            <a:cxnSpLocks/>
+            <a:endCxn id="11" idx="1"/>
+          </p:cNvCxnSpPr>
+          <p:nvPr/>
+        </p:nvCxnSpPr>
+        <p:spPr>
+          <a:xfrm flipV="1">
+            <a:off x="1339914" y="742205"/>
+            <a:ext cx="2432963" cy="221286"/>
+          </a:xfrm>
+          <a:prstGeom prst="bentConnector4">
+            <a:avLst>
+              <a:gd name="adj1" fmla="val 408"/>
+              <a:gd name="adj2" fmla="val 194530"/>
+            </a:avLst>
+          </a:prstGeom>
+          <a:ln>
+            <a:solidFill>
+              <a:srgbClr val="4F95DA">
+                <a:alpha val="51000"/>
+              </a:srgbClr>
+            </a:solidFill>
+            <a:tailEnd type="triangle"/>
+          </a:ln>
+        </p:spPr>
+        <p:style>
+          <a:lnRef idx="2">
+            <a:schemeClr val="accent1"/>
+          </a:lnRef>
+          <a:fillRef idx="0">
+            <a:schemeClr val="accent1"/>
+          </a:fillRef>
+          <a:effectRef idx="1">
+            <a:schemeClr val="accent1"/>
+          </a:effectRef>
+          <a:fontRef idx="minor">
+            <a:schemeClr val="tx1"/>
+          </a:fontRef>
+        </p:style>
+      </p:cxnSp>
+      <p:cxnSp>
+        <p:nvCxnSpPr>
+          <p:cNvPr id="17" name="Conector angular 16">
+            <a:extLst>
+              <a:ext uri="{FF2B5EF4-FFF2-40B4-BE49-F238E27FC236}">
+                <a16:creationId xmlns:a16="http://schemas.microsoft.com/office/drawing/2014/main" id="{A9C32A0A-E540-6BA2-2794-3DB3947F97F1}"/>
               </a:ext>
             </a:extLst>
           </p:cNvPr>
@@ -4518,9 +4315,691 @@
           <p:nvPr/>
         </p:nvCxnSpPr>
         <p:spPr>
+          <a:xfrm rot="5400000" flipH="1" flipV="1">
+            <a:off x="2498497" y="757258"/>
+            <a:ext cx="432000" cy="1"/>
+          </a:xfrm>
+          <a:prstGeom prst="bentConnector3">
+            <a:avLst>
+              <a:gd name="adj1" fmla="val 50000"/>
+            </a:avLst>
+          </a:prstGeom>
+          <a:ln>
+            <a:solidFill>
+              <a:srgbClr val="4F95DA">
+                <a:alpha val="51000"/>
+              </a:srgbClr>
+            </a:solidFill>
+            <a:miter lim="800000"/>
+            <a:tailEnd type="none"/>
+          </a:ln>
+        </p:spPr>
+        <p:style>
+          <a:lnRef idx="2">
+            <a:schemeClr val="accent1"/>
+          </a:lnRef>
+          <a:fillRef idx="0">
+            <a:schemeClr val="accent1"/>
+          </a:fillRef>
+          <a:effectRef idx="1">
+            <a:schemeClr val="accent1"/>
+          </a:effectRef>
+          <a:fontRef idx="minor">
+            <a:schemeClr val="tx1"/>
+          </a:fontRef>
+        </p:style>
+      </p:cxnSp>
+      <p:sp>
+        <p:nvSpPr>
+          <p:cNvPr id="26" name="CuadroTexto 25">
+            <a:extLst>
+              <a:ext uri="{FF2B5EF4-FFF2-40B4-BE49-F238E27FC236}">
+                <a16:creationId xmlns:a16="http://schemas.microsoft.com/office/drawing/2014/main" id="{598311B0-5B2C-9C28-8D62-488088AF71BE}"/>
+              </a:ext>
+            </a:extLst>
+          </p:cNvPr>
+          <p:cNvSpPr txBox="1"/>
+          <p:nvPr/>
+        </p:nvSpPr>
+        <p:spPr>
+          <a:xfrm>
+            <a:off x="925032" y="1897625"/>
+            <a:ext cx="1149674" cy="923330"/>
+          </a:xfrm>
+          <a:prstGeom prst="rect">
+            <a:avLst/>
+          </a:prstGeom>
+          <a:noFill/>
+        </p:spPr>
+        <p:txBody>
+          <a:bodyPr wrap="none" rtlCol="0">
+            <a:spAutoFit/>
+          </a:bodyPr>
+          <a:lstStyle/>
+          <a:p>
+            <a:r>
+              <a:rPr lang="es-ES" dirty="0">
+                <a:latin typeface="Courier New" panose="02070309020205020404" pitchFamily="49" charset="0"/>
+                <a:cs typeface="Courier New" panose="02070309020205020404" pitchFamily="49" charset="0"/>
+              </a:rPr>
+              <a:t>4  3  2</a:t>
+            </a:r>
+          </a:p>
+          <a:p>
+            <a:r>
+              <a:rPr lang="es-ES" dirty="0">
+                <a:latin typeface="Courier New" panose="02070309020205020404" pitchFamily="49" charset="0"/>
+                <a:cs typeface="Courier New" panose="02070309020205020404" pitchFamily="49" charset="0"/>
+              </a:rPr>
+              <a:t>1  0  0</a:t>
+            </a:r>
+          </a:p>
+          <a:p>
+            <a:r>
+              <a:rPr lang="es-ES" dirty="0">
+                <a:latin typeface="Courier New" panose="02070309020205020404" pitchFamily="49" charset="0"/>
+                <a:cs typeface="Courier New" panose="02070309020205020404" pitchFamily="49" charset="0"/>
+              </a:rPr>
+              <a:t>2  4  6</a:t>
+            </a:r>
+          </a:p>
+        </p:txBody>
+      </p:sp>
+      <p:sp>
+        <p:nvSpPr>
+          <p:cNvPr id="27" name="Corchetes 26">
+            <a:extLst>
+              <a:ext uri="{FF2B5EF4-FFF2-40B4-BE49-F238E27FC236}">
+                <a16:creationId xmlns:a16="http://schemas.microsoft.com/office/drawing/2014/main" id="{716AAFF2-3FC6-EFDD-6BA9-50E9508535ED}"/>
+              </a:ext>
+            </a:extLst>
+          </p:cNvPr>
+          <p:cNvSpPr/>
+          <p:nvPr/>
+        </p:nvSpPr>
+        <p:spPr>
+          <a:xfrm>
+            <a:off x="918741" y="1956618"/>
+            <a:ext cx="1149674" cy="786580"/>
+          </a:xfrm>
+          <a:prstGeom prst="bracketPair">
+            <a:avLst>
+              <a:gd name="adj" fmla="val 6667"/>
+            </a:avLst>
+          </a:prstGeom>
+        </p:spPr>
+        <p:style>
+          <a:lnRef idx="2">
+            <a:schemeClr val="accent1"/>
+          </a:lnRef>
+          <a:fillRef idx="0">
+            <a:schemeClr val="accent1"/>
+          </a:fillRef>
+          <a:effectRef idx="1">
+            <a:schemeClr val="accent1"/>
+          </a:effectRef>
+          <a:fontRef idx="minor">
+            <a:schemeClr val="tx1"/>
+          </a:fontRef>
+        </p:style>
+        <p:txBody>
+          <a:bodyPr rtlCol="0" anchor="ctr"/>
+          <a:lstStyle/>
+          <a:p>
+            <a:pPr algn="ctr"/>
+            <a:endParaRPr lang="es-ES"/>
+          </a:p>
+        </p:txBody>
+      </p:sp>
+      <p:sp>
+        <p:nvSpPr>
+          <p:cNvPr id="28" name="CuadroTexto 27">
+            <a:extLst>
+              <a:ext uri="{FF2B5EF4-FFF2-40B4-BE49-F238E27FC236}">
+                <a16:creationId xmlns:a16="http://schemas.microsoft.com/office/drawing/2014/main" id="{036505CF-EDD1-79F0-32BC-C5F86654B382}"/>
+              </a:ext>
+            </a:extLst>
+          </p:cNvPr>
+          <p:cNvSpPr txBox="1"/>
+          <p:nvPr/>
+        </p:nvSpPr>
+        <p:spPr>
+          <a:xfrm>
+            <a:off x="2492199" y="1897625"/>
+            <a:ext cx="736099" cy="923330"/>
+          </a:xfrm>
+          <a:prstGeom prst="rect">
+            <a:avLst/>
+          </a:prstGeom>
+          <a:noFill/>
+        </p:spPr>
+        <p:txBody>
+          <a:bodyPr wrap="none" rtlCol="0">
+            <a:spAutoFit/>
+          </a:bodyPr>
+          <a:lstStyle/>
+          <a:p>
+            <a:r>
+              <a:rPr lang="es-ES" dirty="0">
+                <a:latin typeface="Courier New" panose="02070309020205020404" pitchFamily="49" charset="0"/>
+                <a:cs typeface="Courier New" panose="02070309020205020404" pitchFamily="49" charset="0"/>
+              </a:rPr>
+              <a:t>2  1</a:t>
+            </a:r>
+          </a:p>
+          <a:p>
+            <a:r>
+              <a:rPr lang="es-ES" dirty="0">
+                <a:latin typeface="Courier New" panose="02070309020205020404" pitchFamily="49" charset="0"/>
+                <a:cs typeface="Courier New" panose="02070309020205020404" pitchFamily="49" charset="0"/>
+              </a:rPr>
+              <a:t>4  3</a:t>
+            </a:r>
+          </a:p>
+          <a:p>
+            <a:r>
+              <a:rPr lang="es-ES" dirty="0">
+                <a:latin typeface="Courier New" panose="02070309020205020404" pitchFamily="49" charset="0"/>
+                <a:cs typeface="Courier New" panose="02070309020205020404" pitchFamily="49" charset="0"/>
+              </a:rPr>
+              <a:t>5 -1</a:t>
+            </a:r>
+          </a:p>
+        </p:txBody>
+      </p:sp>
+      <p:sp>
+        <p:nvSpPr>
+          <p:cNvPr id="29" name="Corchetes 28">
+            <a:extLst>
+              <a:ext uri="{FF2B5EF4-FFF2-40B4-BE49-F238E27FC236}">
+                <a16:creationId xmlns:a16="http://schemas.microsoft.com/office/drawing/2014/main" id="{0970CF41-6E74-9883-6B11-5C02FB53C521}"/>
+              </a:ext>
+            </a:extLst>
+          </p:cNvPr>
+          <p:cNvSpPr/>
+          <p:nvPr/>
+        </p:nvSpPr>
+        <p:spPr>
+          <a:xfrm>
+            <a:off x="2485908" y="1956618"/>
+            <a:ext cx="736099" cy="786580"/>
+          </a:xfrm>
+          <a:prstGeom prst="bracketPair">
+            <a:avLst>
+              <a:gd name="adj" fmla="val 6667"/>
+            </a:avLst>
+          </a:prstGeom>
+        </p:spPr>
+        <p:style>
+          <a:lnRef idx="2">
+            <a:schemeClr val="accent1"/>
+          </a:lnRef>
+          <a:fillRef idx="0">
+            <a:schemeClr val="accent1"/>
+          </a:fillRef>
+          <a:effectRef idx="1">
+            <a:schemeClr val="accent1"/>
+          </a:effectRef>
+          <a:fontRef idx="minor">
+            <a:schemeClr val="tx1"/>
+          </a:fontRef>
+        </p:style>
+        <p:txBody>
+          <a:bodyPr rtlCol="0" anchor="ctr"/>
+          <a:lstStyle/>
+          <a:p>
+            <a:pPr algn="ctr"/>
+            <a:endParaRPr lang="es-ES"/>
+          </a:p>
+        </p:txBody>
+      </p:sp>
+      <p:sp>
+        <p:nvSpPr>
+          <p:cNvPr id="31" name="CuadroTexto 30">
+            <a:extLst>
+              <a:ext uri="{FF2B5EF4-FFF2-40B4-BE49-F238E27FC236}">
+                <a16:creationId xmlns:a16="http://schemas.microsoft.com/office/drawing/2014/main" id="{F1702107-05C1-B538-2D46-2E03BE0D64E8}"/>
+              </a:ext>
+            </a:extLst>
+          </p:cNvPr>
+          <p:cNvSpPr txBox="1"/>
+          <p:nvPr/>
+        </p:nvSpPr>
+        <p:spPr>
+          <a:xfrm>
+            <a:off x="2126087" y="2165242"/>
+            <a:ext cx="3763435" cy="369332"/>
+          </a:xfrm>
+          <a:prstGeom prst="rect">
+            <a:avLst/>
+          </a:prstGeom>
+          <a:noFill/>
+        </p:spPr>
+        <p:txBody>
+          <a:bodyPr wrap="square">
+            <a:spAutoFit/>
+          </a:bodyPr>
+          <a:lstStyle/>
+          <a:p>
+            <a:r>
+              <a:rPr lang="es-ES" dirty="0">
+                <a:solidFill>
+                  <a:prstClr val="black"/>
+                </a:solidFill>
+                <a:latin typeface="Courier New" panose="02070309020205020404" pitchFamily="49" charset="0"/>
+                <a:cs typeface="Courier New" panose="02070309020205020404" pitchFamily="49" charset="0"/>
+              </a:rPr>
+              <a:t>x        =           </a:t>
+            </a:r>
+            <a:r>
+              <a:rPr lang="es-ES" sz="900" dirty="0">
+                <a:solidFill>
+                  <a:prstClr val="black"/>
+                </a:solidFill>
+                <a:latin typeface="Courier New" panose="02070309020205020404" pitchFamily="49" charset="0"/>
+                <a:cs typeface="Courier New" panose="02070309020205020404" pitchFamily="49" charset="0"/>
+              </a:rPr>
+              <a:t> </a:t>
+            </a:r>
+            <a:r>
+              <a:rPr lang="es-ES" dirty="0">
+                <a:solidFill>
+                  <a:prstClr val="black"/>
+                </a:solidFill>
+                <a:latin typeface="Courier New" panose="02070309020205020404" pitchFamily="49" charset="0"/>
+                <a:cs typeface="Courier New" panose="02070309020205020404" pitchFamily="49" charset="0"/>
+              </a:rPr>
+              <a:t>=</a:t>
+            </a:r>
+            <a:endParaRPr lang="es-ES" dirty="0"/>
+          </a:p>
+        </p:txBody>
+      </p:sp>
+      <p:sp>
+        <p:nvSpPr>
+          <p:cNvPr id="32" name="CuadroTexto 31">
+            <a:extLst>
+              <a:ext uri="{FF2B5EF4-FFF2-40B4-BE49-F238E27FC236}">
+                <a16:creationId xmlns:a16="http://schemas.microsoft.com/office/drawing/2014/main" id="{CD489708-B9CA-54AC-2635-DD82DC3476E9}"/>
+              </a:ext>
+            </a:extLst>
+          </p:cNvPr>
+          <p:cNvSpPr txBox="1"/>
+          <p:nvPr/>
+        </p:nvSpPr>
+        <p:spPr>
+          <a:xfrm>
+            <a:off x="3780941" y="1881974"/>
+            <a:ext cx="1133644" cy="923330"/>
+          </a:xfrm>
+          <a:prstGeom prst="rect">
+            <a:avLst/>
+          </a:prstGeom>
+          <a:noFill/>
+        </p:spPr>
+        <p:txBody>
+          <a:bodyPr wrap="none" rtlCol="0">
+            <a:spAutoFit/>
+          </a:bodyPr>
+          <a:lstStyle/>
+          <a:p>
+            <a:r>
+              <a:rPr lang="es-ES" dirty="0">
+                <a:latin typeface="Courier New" panose="02070309020205020404" pitchFamily="49" charset="0"/>
+                <a:cs typeface="Courier New" panose="02070309020205020404" pitchFamily="49" charset="0"/>
+              </a:rPr>
+              <a:t>C</a:t>
+            </a:r>
+            <a:r>
+              <a:rPr lang="es-ES" baseline="-25000" dirty="0">
+                <a:latin typeface="+mj-lt"/>
+                <a:cs typeface="Courier New" panose="02070309020205020404" pitchFamily="49" charset="0"/>
+              </a:rPr>
+              <a:t>0,0</a:t>
+            </a:r>
+            <a:r>
+              <a:rPr lang="es-ES" dirty="0">
+                <a:latin typeface="Courier New" panose="02070309020205020404" pitchFamily="49" charset="0"/>
+                <a:cs typeface="Courier New" panose="02070309020205020404" pitchFamily="49" charset="0"/>
+              </a:rPr>
+              <a:t>  C</a:t>
+            </a:r>
+            <a:r>
+              <a:rPr lang="es-ES" baseline="-25000" dirty="0">
+                <a:latin typeface="+mj-lt"/>
+                <a:cs typeface="Courier New" panose="02070309020205020404" pitchFamily="49" charset="0"/>
+              </a:rPr>
+              <a:t>0,1</a:t>
+            </a:r>
+            <a:endParaRPr lang="es-ES" dirty="0">
+              <a:latin typeface="Courier New" panose="02070309020205020404" pitchFamily="49" charset="0"/>
+              <a:cs typeface="Courier New" panose="02070309020205020404" pitchFamily="49" charset="0"/>
+            </a:endParaRPr>
+          </a:p>
+          <a:p>
+            <a:r>
+              <a:rPr lang="es-ES" dirty="0">
+                <a:latin typeface="Courier New" panose="02070309020205020404" pitchFamily="49" charset="0"/>
+                <a:cs typeface="Courier New" panose="02070309020205020404" pitchFamily="49" charset="0"/>
+              </a:rPr>
+              <a:t>C</a:t>
+            </a:r>
+            <a:r>
+              <a:rPr lang="es-ES" baseline="-25000" dirty="0">
+                <a:latin typeface="+mj-lt"/>
+                <a:cs typeface="Courier New" panose="02070309020205020404" pitchFamily="49" charset="0"/>
+              </a:rPr>
+              <a:t>1,0</a:t>
+            </a:r>
+            <a:r>
+              <a:rPr lang="es-ES" dirty="0">
+                <a:latin typeface="Courier New" panose="02070309020205020404" pitchFamily="49" charset="0"/>
+                <a:cs typeface="Courier New" panose="02070309020205020404" pitchFamily="49" charset="0"/>
+              </a:rPr>
+              <a:t>  C</a:t>
+            </a:r>
+            <a:r>
+              <a:rPr lang="es-ES" baseline="-25000" dirty="0">
+                <a:latin typeface="+mj-lt"/>
+                <a:cs typeface="Courier New" panose="02070309020205020404" pitchFamily="49" charset="0"/>
+              </a:rPr>
+              <a:t>1,1</a:t>
+            </a:r>
+            <a:endParaRPr lang="es-ES" dirty="0">
+              <a:latin typeface="Courier New" panose="02070309020205020404" pitchFamily="49" charset="0"/>
+              <a:cs typeface="Courier New" panose="02070309020205020404" pitchFamily="49" charset="0"/>
+            </a:endParaRPr>
+          </a:p>
+          <a:p>
+            <a:r>
+              <a:rPr lang="es-ES" dirty="0">
+                <a:latin typeface="Courier New" panose="02070309020205020404" pitchFamily="49" charset="0"/>
+                <a:cs typeface="Courier New" panose="02070309020205020404" pitchFamily="49" charset="0"/>
+              </a:rPr>
+              <a:t>C</a:t>
+            </a:r>
+            <a:r>
+              <a:rPr lang="es-ES" baseline="-25000" dirty="0">
+                <a:latin typeface="+mj-lt"/>
+                <a:cs typeface="Courier New" panose="02070309020205020404" pitchFamily="49" charset="0"/>
+              </a:rPr>
+              <a:t>2,0</a:t>
+            </a:r>
+            <a:r>
+              <a:rPr lang="es-ES" dirty="0">
+                <a:latin typeface="Courier New" panose="02070309020205020404" pitchFamily="49" charset="0"/>
+                <a:cs typeface="Courier New" panose="02070309020205020404" pitchFamily="49" charset="0"/>
+              </a:rPr>
+              <a:t>  C</a:t>
+            </a:r>
+            <a:r>
+              <a:rPr lang="es-ES" baseline="-25000" dirty="0">
+                <a:latin typeface="+mj-lt"/>
+                <a:cs typeface="Courier New" panose="02070309020205020404" pitchFamily="49" charset="0"/>
+              </a:rPr>
+              <a:t>2,1</a:t>
+            </a:r>
+            <a:endParaRPr lang="es-ES" dirty="0">
+              <a:latin typeface="Courier New" panose="02070309020205020404" pitchFamily="49" charset="0"/>
+              <a:cs typeface="Courier New" panose="02070309020205020404" pitchFamily="49" charset="0"/>
+            </a:endParaRPr>
+          </a:p>
+        </p:txBody>
+      </p:sp>
+      <p:sp>
+        <p:nvSpPr>
+          <p:cNvPr id="33" name="Corchetes 32">
+            <a:extLst>
+              <a:ext uri="{FF2B5EF4-FFF2-40B4-BE49-F238E27FC236}">
+                <a16:creationId xmlns:a16="http://schemas.microsoft.com/office/drawing/2014/main" id="{8EBFAAF2-1417-13D7-0720-45B4A9677D2C}"/>
+              </a:ext>
+            </a:extLst>
+          </p:cNvPr>
+          <p:cNvSpPr/>
+          <p:nvPr/>
+        </p:nvSpPr>
+        <p:spPr>
+          <a:xfrm>
+            <a:off x="3774650" y="1940967"/>
+            <a:ext cx="1191316" cy="786580"/>
+          </a:xfrm>
+          <a:prstGeom prst="bracketPair">
+            <a:avLst>
+              <a:gd name="adj" fmla="val 6667"/>
+            </a:avLst>
+          </a:prstGeom>
+        </p:spPr>
+        <p:style>
+          <a:lnRef idx="2">
+            <a:schemeClr val="accent1"/>
+          </a:lnRef>
+          <a:fillRef idx="0">
+            <a:schemeClr val="accent1"/>
+          </a:fillRef>
+          <a:effectRef idx="1">
+            <a:schemeClr val="accent1"/>
+          </a:effectRef>
+          <a:fontRef idx="minor">
+            <a:schemeClr val="tx1"/>
+          </a:fontRef>
+        </p:style>
+        <p:txBody>
+          <a:bodyPr rtlCol="0" anchor="ctr"/>
+          <a:lstStyle/>
+          <a:p>
+            <a:pPr algn="ctr"/>
+            <a:endParaRPr lang="es-ES"/>
+          </a:p>
+        </p:txBody>
+      </p:sp>
+      <p:sp>
+        <p:nvSpPr>
+          <p:cNvPr id="34" name="CuadroTexto 33">
+            <a:extLst>
+              <a:ext uri="{FF2B5EF4-FFF2-40B4-BE49-F238E27FC236}">
+                <a16:creationId xmlns:a16="http://schemas.microsoft.com/office/drawing/2014/main" id="{53FF15A9-113A-89FD-1048-4E60C64FE0B6}"/>
+              </a:ext>
+            </a:extLst>
+          </p:cNvPr>
+          <p:cNvSpPr txBox="1"/>
+          <p:nvPr/>
+        </p:nvSpPr>
+        <p:spPr>
+          <a:xfrm>
+            <a:off x="5468053" y="1897625"/>
+            <a:ext cx="1011815" cy="923330"/>
+          </a:xfrm>
+          <a:prstGeom prst="rect">
+            <a:avLst/>
+          </a:prstGeom>
+          <a:noFill/>
+        </p:spPr>
+        <p:txBody>
+          <a:bodyPr wrap="none" rtlCol="0">
+            <a:spAutoFit/>
+          </a:bodyPr>
+          <a:lstStyle/>
+          <a:p>
+            <a:r>
+              <a:rPr lang="es-ES" dirty="0">
+                <a:latin typeface="Courier New" panose="02070309020205020404" pitchFamily="49" charset="0"/>
+                <a:cs typeface="Courier New" panose="02070309020205020404" pitchFamily="49" charset="0"/>
+              </a:rPr>
+              <a:t>30  11</a:t>
+            </a:r>
+          </a:p>
+          <a:p>
+            <a:r>
+              <a:rPr lang="es-ES" dirty="0">
+                <a:latin typeface="Courier New" panose="02070309020205020404" pitchFamily="49" charset="0"/>
+                <a:cs typeface="Courier New" panose="02070309020205020404" pitchFamily="49" charset="0"/>
+              </a:rPr>
+              <a:t> 2   1</a:t>
+            </a:r>
+          </a:p>
+          <a:p>
+            <a:r>
+              <a:rPr lang="es-ES" dirty="0">
+                <a:latin typeface="Courier New" panose="02070309020205020404" pitchFamily="49" charset="0"/>
+                <a:cs typeface="Courier New" panose="02070309020205020404" pitchFamily="49" charset="0"/>
+              </a:rPr>
+              <a:t>50   8</a:t>
+            </a:r>
+          </a:p>
+        </p:txBody>
+      </p:sp>
+      <p:sp>
+        <p:nvSpPr>
+          <p:cNvPr id="35" name="Corchetes 34">
+            <a:extLst>
+              <a:ext uri="{FF2B5EF4-FFF2-40B4-BE49-F238E27FC236}">
+                <a16:creationId xmlns:a16="http://schemas.microsoft.com/office/drawing/2014/main" id="{5ED6E024-207C-505B-8D41-45689AD54F68}"/>
+              </a:ext>
+            </a:extLst>
+          </p:cNvPr>
+          <p:cNvSpPr/>
+          <p:nvPr/>
+        </p:nvSpPr>
+        <p:spPr>
+          <a:xfrm>
+            <a:off x="5461762" y="1956618"/>
+            <a:ext cx="974112" cy="786580"/>
+          </a:xfrm>
+          <a:prstGeom prst="bracketPair">
+            <a:avLst>
+              <a:gd name="adj" fmla="val 6667"/>
+            </a:avLst>
+          </a:prstGeom>
+        </p:spPr>
+        <p:style>
+          <a:lnRef idx="2">
+            <a:schemeClr val="accent1"/>
+          </a:lnRef>
+          <a:fillRef idx="0">
+            <a:schemeClr val="accent1"/>
+          </a:fillRef>
+          <a:effectRef idx="1">
+            <a:schemeClr val="accent1"/>
+          </a:effectRef>
+          <a:fontRef idx="minor">
+            <a:schemeClr val="tx1"/>
+          </a:fontRef>
+        </p:style>
+        <p:txBody>
+          <a:bodyPr rtlCol="0" anchor="ctr"/>
+          <a:lstStyle/>
+          <a:p>
+            <a:pPr algn="ctr"/>
+            <a:endParaRPr lang="es-ES"/>
+          </a:p>
+        </p:txBody>
+      </p:sp>
+      <p:cxnSp>
+        <p:nvCxnSpPr>
+          <p:cNvPr id="3" name="Conector curvado 2">
+            <a:extLst>
+              <a:ext uri="{FF2B5EF4-FFF2-40B4-BE49-F238E27FC236}">
+                <a16:creationId xmlns:a16="http://schemas.microsoft.com/office/drawing/2014/main" id="{AAADFC2E-0A70-152F-3759-49B3F0F0F66C}"/>
+              </a:ext>
+            </a:extLst>
+          </p:cNvPr>
+          <p:cNvCxnSpPr>
+            <a:cxnSpLocks/>
+          </p:cNvCxnSpPr>
+          <p:nvPr/>
+        </p:nvCxnSpPr>
+        <p:spPr>
           <a:xfrm rot="16200000" flipH="1">
-            <a:off x="1269796" y="2654099"/>
-            <a:ext cx="1753010" cy="888996"/>
+            <a:off x="1162138" y="2761754"/>
+            <a:ext cx="1562621" cy="483292"/>
+          </a:xfrm>
+          <a:prstGeom prst="curvedConnector3">
+            <a:avLst/>
+          </a:prstGeom>
+          <a:ln>
+            <a:solidFill>
+              <a:srgbClr val="D9F3D1"/>
+            </a:solidFill>
+            <a:tailEnd type="none"/>
+          </a:ln>
+        </p:spPr>
+        <p:style>
+          <a:lnRef idx="2">
+            <a:schemeClr val="accent1"/>
+          </a:lnRef>
+          <a:fillRef idx="0">
+            <a:schemeClr val="accent1"/>
+          </a:fillRef>
+          <a:effectRef idx="1">
+            <a:schemeClr val="accent1"/>
+          </a:effectRef>
+          <a:fontRef idx="minor">
+            <a:schemeClr val="tx1"/>
+          </a:fontRef>
+        </p:style>
+      </p:cxnSp>
+      <p:cxnSp>
+        <p:nvCxnSpPr>
+          <p:cNvPr id="7" name="Conector curvado 6">
+            <a:extLst>
+              <a:ext uri="{FF2B5EF4-FFF2-40B4-BE49-F238E27FC236}">
+                <a16:creationId xmlns:a16="http://schemas.microsoft.com/office/drawing/2014/main" id="{AD7A1A85-84EA-533F-90DA-B2BF8A31849E}"/>
+              </a:ext>
+            </a:extLst>
+          </p:cNvPr>
+          <p:cNvCxnSpPr>
+            <a:cxnSpLocks/>
+          </p:cNvCxnSpPr>
+          <p:nvPr/>
+        </p:nvCxnSpPr>
+        <p:spPr>
+          <a:xfrm rot="5400000">
+            <a:off x="2522109" y="3153588"/>
+            <a:ext cx="890284" cy="69502"/>
+          </a:xfrm>
+          <a:prstGeom prst="curvedConnector3">
+            <a:avLst/>
+          </a:prstGeom>
+          <a:ln>
+            <a:solidFill>
+              <a:srgbClr val="F3D0EF"/>
+            </a:solidFill>
+            <a:tailEnd type="none"/>
+          </a:ln>
+        </p:spPr>
+        <p:style>
+          <a:lnRef idx="2">
+            <a:schemeClr val="accent1"/>
+          </a:lnRef>
+          <a:fillRef idx="0">
+            <a:schemeClr val="accent1"/>
+          </a:fillRef>
+          <a:effectRef idx="1">
+            <a:schemeClr val="accent1"/>
+          </a:effectRef>
+          <a:fontRef idx="minor">
+            <a:schemeClr val="tx1"/>
+          </a:fontRef>
+        </p:style>
+      </p:cxnSp>
+      <p:cxnSp>
+        <p:nvCxnSpPr>
+          <p:cNvPr id="10" name="Conector curvado 9">
+            <a:extLst>
+              <a:ext uri="{FF2B5EF4-FFF2-40B4-BE49-F238E27FC236}">
+                <a16:creationId xmlns:a16="http://schemas.microsoft.com/office/drawing/2014/main" id="{F48B9939-DD8A-D7AE-F0DC-9142967AC4C3}"/>
+              </a:ext>
+            </a:extLst>
+          </p:cNvPr>
+          <p:cNvCxnSpPr>
+            <a:cxnSpLocks/>
+          </p:cNvCxnSpPr>
+          <p:nvPr/>
+        </p:nvCxnSpPr>
+        <p:spPr>
+          <a:xfrm rot="5400000" flipH="1" flipV="1">
+            <a:off x="4819646" y="2732838"/>
+            <a:ext cx="1760701" cy="782793"/>
           </a:xfrm>
           <a:prstGeom prst="curvedConnector3">
             <a:avLst/>
@@ -4551,32 +5030,35 @@
       </p:cxnSp>
       <p:cxnSp>
         <p:nvCxnSpPr>
-          <p:cNvPr id="7" name="Conector curvado 6">
-            <a:extLst>
-              <a:ext uri="{FF2B5EF4-FFF2-40B4-BE49-F238E27FC236}">
-                <a16:creationId xmlns:a16="http://schemas.microsoft.com/office/drawing/2014/main" id="{855CDBA8-DF41-5F15-75DD-7FD98A9FCD56}"/>
+          <p:cNvPr id="54" name="Conector angular 53">
+            <a:extLst>
+              <a:ext uri="{FF2B5EF4-FFF2-40B4-BE49-F238E27FC236}">
+                <a16:creationId xmlns:a16="http://schemas.microsoft.com/office/drawing/2014/main" id="{04FCB963-B4E2-4478-DCCB-F853B83173AE}"/>
               </a:ext>
             </a:extLst>
           </p:cNvPr>
           <p:cNvCxnSpPr>
             <a:cxnSpLocks/>
+            <a:stCxn id="59" idx="0"/>
+            <a:endCxn id="61" idx="0"/>
           </p:cNvCxnSpPr>
           <p:nvPr/>
         </p:nvCxnSpPr>
         <p:spPr>
-          <a:xfrm rot="5400000">
-            <a:off x="2180449" y="3153548"/>
-            <a:ext cx="1231903" cy="411202"/>
-          </a:xfrm>
-          <a:prstGeom prst="curvedConnector3">
-            <a:avLst/>
+          <a:xfrm rot="5400000" flipH="1" flipV="1">
+            <a:off x="2904912" y="2899103"/>
+            <a:ext cx="12700" cy="2197944"/>
+          </a:xfrm>
+          <a:prstGeom prst="bentConnector3">
+            <a:avLst>
+              <a:gd name="adj1" fmla="val 1800000"/>
+            </a:avLst>
           </a:prstGeom>
           <a:ln>
             <a:solidFill>
-              <a:srgbClr val="4F95DA">
-                <a:alpha val="51000"/>
-              </a:srgbClr>
+              <a:srgbClr val="D9F3D1"/>
             </a:solidFill>
+            <a:headEnd type="triangle"/>
             <a:tailEnd type="triangle"/>
           </a:ln>
         </p:spPr>
@@ -4595,35 +5077,138 @@
           </a:fontRef>
         </p:style>
       </p:cxnSp>
+      <p:sp>
+        <p:nvSpPr>
+          <p:cNvPr id="59" name="Elipse 58">
+            <a:extLst>
+              <a:ext uri="{FF2B5EF4-FFF2-40B4-BE49-F238E27FC236}">
+                <a16:creationId xmlns:a16="http://schemas.microsoft.com/office/drawing/2014/main" id="{DFBA53E5-4956-6732-7876-25CD78F91A5B}"/>
+              </a:ext>
+            </a:extLst>
+          </p:cNvPr>
+          <p:cNvSpPr/>
+          <p:nvPr/>
+        </p:nvSpPr>
+        <p:spPr>
+          <a:xfrm>
+            <a:off x="1783080" y="3998075"/>
+            <a:ext cx="45719" cy="45719"/>
+          </a:xfrm>
+          <a:prstGeom prst="ellipse">
+            <a:avLst/>
+          </a:prstGeom>
+          <a:noFill/>
+          <a:ln>
+            <a:noFill/>
+          </a:ln>
+        </p:spPr>
+        <p:style>
+          <a:lnRef idx="2">
+            <a:schemeClr val="accent1">
+              <a:shade val="15000"/>
+            </a:schemeClr>
+          </a:lnRef>
+          <a:fillRef idx="1">
+            <a:schemeClr val="accent1"/>
+          </a:fillRef>
+          <a:effectRef idx="0">
+            <a:schemeClr val="accent1"/>
+          </a:effectRef>
+          <a:fontRef idx="minor">
+            <a:schemeClr val="lt1"/>
+          </a:fontRef>
+        </p:style>
+        <p:txBody>
+          <a:bodyPr rtlCol="0" anchor="ctr"/>
+          <a:lstStyle/>
+          <a:p>
+            <a:pPr algn="ctr"/>
+            <a:endParaRPr lang="es-ES"/>
+          </a:p>
+        </p:txBody>
+      </p:sp>
+      <p:sp>
+        <p:nvSpPr>
+          <p:cNvPr id="61" name="Elipse 60">
+            <a:extLst>
+              <a:ext uri="{FF2B5EF4-FFF2-40B4-BE49-F238E27FC236}">
+                <a16:creationId xmlns:a16="http://schemas.microsoft.com/office/drawing/2014/main" id="{1CC9EC87-8B94-F418-3101-D75BA9A73177}"/>
+              </a:ext>
+            </a:extLst>
+          </p:cNvPr>
+          <p:cNvSpPr/>
+          <p:nvPr/>
+        </p:nvSpPr>
+        <p:spPr>
+          <a:xfrm>
+            <a:off x="3980460" y="3998075"/>
+            <a:ext cx="46848" cy="45719"/>
+          </a:xfrm>
+          <a:prstGeom prst="ellipse">
+            <a:avLst/>
+          </a:prstGeom>
+          <a:noFill/>
+          <a:ln>
+            <a:noFill/>
+          </a:ln>
+        </p:spPr>
+        <p:style>
+          <a:lnRef idx="2">
+            <a:schemeClr val="accent1">
+              <a:shade val="15000"/>
+            </a:schemeClr>
+          </a:lnRef>
+          <a:fillRef idx="1">
+            <a:schemeClr val="accent1"/>
+          </a:fillRef>
+          <a:effectRef idx="0">
+            <a:schemeClr val="accent1"/>
+          </a:effectRef>
+          <a:fontRef idx="minor">
+            <a:schemeClr val="lt1"/>
+          </a:fontRef>
+        </p:style>
+        <p:txBody>
+          <a:bodyPr rtlCol="0" anchor="ctr"/>
+          <a:lstStyle/>
+          <a:p>
+            <a:pPr algn="ctr"/>
+            <a:endParaRPr lang="es-ES"/>
+          </a:p>
+        </p:txBody>
+      </p:sp>
       <p:cxnSp>
         <p:nvCxnSpPr>
-          <p:cNvPr id="10" name="Conector curvado 9">
-            <a:extLst>
-              <a:ext uri="{FF2B5EF4-FFF2-40B4-BE49-F238E27FC236}">
-                <a16:creationId xmlns:a16="http://schemas.microsoft.com/office/drawing/2014/main" id="{3A847CC5-43AA-97C1-AD88-0E1283DC98BA}"/>
+          <p:cNvPr id="65" name="Conector angular 64">
+            <a:extLst>
+              <a:ext uri="{FF2B5EF4-FFF2-40B4-BE49-F238E27FC236}">
+                <a16:creationId xmlns:a16="http://schemas.microsoft.com/office/drawing/2014/main" id="{CE70D243-6938-A93C-456E-B48D7CA37E1C}"/>
               </a:ext>
             </a:extLst>
           </p:cNvPr>
           <p:cNvCxnSpPr>
             <a:cxnSpLocks/>
+            <a:stCxn id="66" idx="0"/>
           </p:cNvCxnSpPr>
           <p:nvPr/>
         </p:nvCxnSpPr>
         <p:spPr>
           <a:xfrm rot="5400000" flipH="1" flipV="1">
-            <a:off x="4819646" y="2732838"/>
-            <a:ext cx="1760701" cy="782793"/>
-          </a:xfrm>
-          <a:prstGeom prst="curvedConnector3">
-            <a:avLst/>
+            <a:off x="2803514" y="3890271"/>
+            <a:ext cx="213366" cy="2242"/>
+          </a:xfrm>
+          <a:prstGeom prst="bentConnector3">
+            <a:avLst>
+              <a:gd name="adj1" fmla="val 50000"/>
+            </a:avLst>
           </a:prstGeom>
           <a:ln>
             <a:solidFill>
-              <a:srgbClr val="4F95DA">
-                <a:alpha val="51000"/>
-              </a:srgbClr>
+              <a:srgbClr val="D9F3D1"/>
             </a:solidFill>
-            <a:tailEnd type="triangle"/>
+            <a:miter lim="800000"/>
+            <a:headEnd type="triangle"/>
+            <a:tailEnd type="none"/>
           </a:ln>
         </p:spPr>
         <p:style>
@@ -4641,10 +5226,357 @@
           </a:fontRef>
         </p:style>
       </p:cxnSp>
+      <p:sp>
+        <p:nvSpPr>
+          <p:cNvPr id="66" name="Elipse 65">
+            <a:extLst>
+              <a:ext uri="{FF2B5EF4-FFF2-40B4-BE49-F238E27FC236}">
+                <a16:creationId xmlns:a16="http://schemas.microsoft.com/office/drawing/2014/main" id="{CEDEB2F0-2A88-0C10-E01A-417371014B54}"/>
+              </a:ext>
+            </a:extLst>
+          </p:cNvPr>
+          <p:cNvSpPr/>
+          <p:nvPr/>
+        </p:nvSpPr>
+        <p:spPr>
+          <a:xfrm>
+            <a:off x="2885652" y="3998075"/>
+            <a:ext cx="46848" cy="45719"/>
+          </a:xfrm>
+          <a:prstGeom prst="ellipse">
+            <a:avLst/>
+          </a:prstGeom>
+          <a:noFill/>
+          <a:ln>
+            <a:noFill/>
+          </a:ln>
+        </p:spPr>
+        <p:style>
+          <a:lnRef idx="2">
+            <a:schemeClr val="accent1">
+              <a:shade val="15000"/>
+            </a:schemeClr>
+          </a:lnRef>
+          <a:fillRef idx="1">
+            <a:schemeClr val="accent1"/>
+          </a:fillRef>
+          <a:effectRef idx="0">
+            <a:schemeClr val="accent1"/>
+          </a:effectRef>
+          <a:fontRef idx="minor">
+            <a:schemeClr val="lt1"/>
+          </a:fontRef>
+        </p:style>
+        <p:txBody>
+          <a:bodyPr rtlCol="0" anchor="ctr"/>
+          <a:lstStyle/>
+          <a:p>
+            <a:pPr algn="ctr"/>
+            <a:endParaRPr lang="es-ES"/>
+          </a:p>
+        </p:txBody>
+      </p:sp>
+      <p:cxnSp>
+        <p:nvCxnSpPr>
+          <p:cNvPr id="75" name="Conector angular 74">
+            <a:extLst>
+              <a:ext uri="{FF2B5EF4-FFF2-40B4-BE49-F238E27FC236}">
+                <a16:creationId xmlns:a16="http://schemas.microsoft.com/office/drawing/2014/main" id="{BB905092-ACDF-813F-CA4B-C2D42018495A}"/>
+              </a:ext>
+            </a:extLst>
+          </p:cNvPr>
+          <p:cNvCxnSpPr>
+            <a:cxnSpLocks/>
+            <a:stCxn id="76" idx="0"/>
+            <a:endCxn id="77" idx="0"/>
+          </p:cNvCxnSpPr>
+          <p:nvPr/>
+        </p:nvCxnSpPr>
+        <p:spPr>
+          <a:xfrm rot="5400000" flipH="1" flipV="1">
+            <a:off x="3487242" y="2868659"/>
+            <a:ext cx="12700" cy="2258833"/>
+          </a:xfrm>
+          <a:prstGeom prst="bentConnector3">
+            <a:avLst>
+              <a:gd name="adj1" fmla="val 2900000"/>
+            </a:avLst>
+          </a:prstGeom>
+          <a:ln>
+            <a:solidFill>
+              <a:srgbClr val="F3D0EF"/>
+            </a:solidFill>
+            <a:headEnd type="triangle"/>
+            <a:tailEnd type="triangle"/>
+          </a:ln>
+        </p:spPr>
+        <p:style>
+          <a:lnRef idx="2">
+            <a:schemeClr val="accent1"/>
+          </a:lnRef>
+          <a:fillRef idx="0">
+            <a:schemeClr val="accent1"/>
+          </a:fillRef>
+          <a:effectRef idx="1">
+            <a:schemeClr val="accent1"/>
+          </a:effectRef>
+          <a:fontRef idx="minor">
+            <a:schemeClr val="tx1"/>
+          </a:fontRef>
+        </p:style>
+      </p:cxnSp>
+      <p:sp>
+        <p:nvSpPr>
+          <p:cNvPr id="76" name="Elipse 75">
+            <a:extLst>
+              <a:ext uri="{FF2B5EF4-FFF2-40B4-BE49-F238E27FC236}">
+                <a16:creationId xmlns:a16="http://schemas.microsoft.com/office/drawing/2014/main" id="{0F07BD18-77E2-34CA-813D-B8C3B8FEC2E4}"/>
+              </a:ext>
+            </a:extLst>
+          </p:cNvPr>
+          <p:cNvSpPr/>
+          <p:nvPr/>
+        </p:nvSpPr>
+        <p:spPr>
+          <a:xfrm>
+            <a:off x="2334402" y="3998075"/>
+            <a:ext cx="46848" cy="45719"/>
+          </a:xfrm>
+          <a:prstGeom prst="ellipse">
+            <a:avLst/>
+          </a:prstGeom>
+          <a:noFill/>
+          <a:ln>
+            <a:noFill/>
+          </a:ln>
+        </p:spPr>
+        <p:style>
+          <a:lnRef idx="2">
+            <a:schemeClr val="accent1">
+              <a:shade val="15000"/>
+            </a:schemeClr>
+          </a:lnRef>
+          <a:fillRef idx="1">
+            <a:schemeClr val="accent1"/>
+          </a:fillRef>
+          <a:effectRef idx="0">
+            <a:schemeClr val="accent1"/>
+          </a:effectRef>
+          <a:fontRef idx="minor">
+            <a:schemeClr val="lt1"/>
+          </a:fontRef>
+        </p:style>
+        <p:txBody>
+          <a:bodyPr rtlCol="0" anchor="ctr"/>
+          <a:lstStyle/>
+          <a:p>
+            <a:pPr algn="ctr"/>
+            <a:endParaRPr lang="es-ES"/>
+          </a:p>
+        </p:txBody>
+      </p:sp>
+      <p:sp>
+        <p:nvSpPr>
+          <p:cNvPr id="77" name="Elipse 76">
+            <a:extLst>
+              <a:ext uri="{FF2B5EF4-FFF2-40B4-BE49-F238E27FC236}">
+                <a16:creationId xmlns:a16="http://schemas.microsoft.com/office/drawing/2014/main" id="{6E918A56-71BA-94B7-8401-A73332B424C4}"/>
+              </a:ext>
+            </a:extLst>
+          </p:cNvPr>
+          <p:cNvSpPr/>
+          <p:nvPr/>
+        </p:nvSpPr>
+        <p:spPr>
+          <a:xfrm>
+            <a:off x="4593235" y="3998075"/>
+            <a:ext cx="46848" cy="45719"/>
+          </a:xfrm>
+          <a:prstGeom prst="ellipse">
+            <a:avLst/>
+          </a:prstGeom>
+          <a:noFill/>
+          <a:ln>
+            <a:noFill/>
+          </a:ln>
+        </p:spPr>
+        <p:style>
+          <a:lnRef idx="2">
+            <a:schemeClr val="accent1">
+              <a:shade val="15000"/>
+            </a:schemeClr>
+          </a:lnRef>
+          <a:fillRef idx="1">
+            <a:schemeClr val="accent1"/>
+          </a:fillRef>
+          <a:effectRef idx="0">
+            <a:schemeClr val="accent1"/>
+          </a:effectRef>
+          <a:fontRef idx="minor">
+            <a:schemeClr val="lt1"/>
+          </a:fontRef>
+        </p:style>
+        <p:txBody>
+          <a:bodyPr rtlCol="0" anchor="ctr"/>
+          <a:lstStyle/>
+          <a:p>
+            <a:pPr algn="ctr"/>
+            <a:endParaRPr lang="es-ES"/>
+          </a:p>
+        </p:txBody>
+      </p:sp>
+      <p:cxnSp>
+        <p:nvCxnSpPr>
+          <p:cNvPr id="81" name="Conector angular 80">
+            <a:extLst>
+              <a:ext uri="{FF2B5EF4-FFF2-40B4-BE49-F238E27FC236}">
+                <a16:creationId xmlns:a16="http://schemas.microsoft.com/office/drawing/2014/main" id="{2623A99E-0378-5FE2-7FCD-F05D2963C644}"/>
+              </a:ext>
+            </a:extLst>
+          </p:cNvPr>
+          <p:cNvCxnSpPr>
+            <a:cxnSpLocks/>
+          </p:cNvCxnSpPr>
+          <p:nvPr/>
+        </p:nvCxnSpPr>
+        <p:spPr>
+          <a:xfrm rot="16200000" flipV="1">
+            <a:off x="3278790" y="3821715"/>
+            <a:ext cx="368915" cy="1356"/>
+          </a:xfrm>
+          <a:prstGeom prst="bentConnector3">
+            <a:avLst>
+              <a:gd name="adj1" fmla="val 50000"/>
+            </a:avLst>
+          </a:prstGeom>
+          <a:ln>
+            <a:solidFill>
+              <a:srgbClr val="F3D0EF"/>
+            </a:solidFill>
+            <a:miter lim="800000"/>
+            <a:headEnd type="triangle"/>
+            <a:tailEnd type="none"/>
+          </a:ln>
+        </p:spPr>
+        <p:style>
+          <a:lnRef idx="2">
+            <a:schemeClr val="accent1"/>
+          </a:lnRef>
+          <a:fillRef idx="0">
+            <a:schemeClr val="accent1"/>
+          </a:fillRef>
+          <a:effectRef idx="1">
+            <a:schemeClr val="accent1"/>
+          </a:effectRef>
+          <a:fontRef idx="minor">
+            <a:schemeClr val="tx1"/>
+          </a:fontRef>
+        </p:style>
+      </p:cxnSp>
+      <p:sp>
+        <p:nvSpPr>
+          <p:cNvPr id="78" name="Elipse 77">
+            <a:extLst>
+              <a:ext uri="{FF2B5EF4-FFF2-40B4-BE49-F238E27FC236}">
+                <a16:creationId xmlns:a16="http://schemas.microsoft.com/office/drawing/2014/main" id="{DC757287-3533-8EC7-9AAF-94A86A619260}"/>
+              </a:ext>
+            </a:extLst>
+          </p:cNvPr>
+          <p:cNvSpPr/>
+          <p:nvPr/>
+        </p:nvSpPr>
+        <p:spPr>
+          <a:xfrm>
+            <a:off x="3438102" y="3998075"/>
+            <a:ext cx="46848" cy="45719"/>
+          </a:xfrm>
+          <a:prstGeom prst="ellipse">
+            <a:avLst/>
+          </a:prstGeom>
+          <a:noFill/>
+          <a:ln>
+            <a:noFill/>
+          </a:ln>
+        </p:spPr>
+        <p:style>
+          <a:lnRef idx="2">
+            <a:schemeClr val="accent1">
+              <a:shade val="15000"/>
+            </a:schemeClr>
+          </a:lnRef>
+          <a:fillRef idx="1">
+            <a:schemeClr val="accent1"/>
+          </a:fillRef>
+          <a:effectRef idx="0">
+            <a:schemeClr val="accent1"/>
+          </a:effectRef>
+          <a:fontRef idx="minor">
+            <a:schemeClr val="lt1"/>
+          </a:fontRef>
+        </p:style>
+        <p:txBody>
+          <a:bodyPr rtlCol="0" anchor="ctr"/>
+          <a:lstStyle/>
+          <a:p>
+            <a:pPr algn="ctr"/>
+            <a:endParaRPr lang="es-ES"/>
+          </a:p>
+        </p:txBody>
+      </p:sp>
+      <p:sp>
+        <p:nvSpPr>
+          <p:cNvPr id="95" name="Elipse 94">
+            <a:extLst>
+              <a:ext uri="{FF2B5EF4-FFF2-40B4-BE49-F238E27FC236}">
+                <a16:creationId xmlns:a16="http://schemas.microsoft.com/office/drawing/2014/main" id="{A5663937-C0A6-3EF9-8A73-5022800876E1}"/>
+              </a:ext>
+            </a:extLst>
+          </p:cNvPr>
+          <p:cNvSpPr/>
+          <p:nvPr/>
+        </p:nvSpPr>
+        <p:spPr>
+          <a:xfrm>
+            <a:off x="2874221" y="3998075"/>
+            <a:ext cx="45719" cy="45719"/>
+          </a:xfrm>
+          <a:prstGeom prst="ellipse">
+            <a:avLst/>
+          </a:prstGeom>
+          <a:noFill/>
+          <a:ln>
+            <a:noFill/>
+          </a:ln>
+        </p:spPr>
+        <p:style>
+          <a:lnRef idx="2">
+            <a:schemeClr val="accent1">
+              <a:shade val="15000"/>
+            </a:schemeClr>
+          </a:lnRef>
+          <a:fillRef idx="1">
+            <a:schemeClr val="accent1"/>
+          </a:fillRef>
+          <a:effectRef idx="0">
+            <a:schemeClr val="accent1"/>
+          </a:effectRef>
+          <a:fontRef idx="minor">
+            <a:schemeClr val="lt1"/>
+          </a:fontRef>
+        </p:style>
+        <p:txBody>
+          <a:bodyPr rtlCol="0" anchor="ctr"/>
+          <a:lstStyle/>
+          <a:p>
+            <a:pPr algn="ctr"/>
+            <a:endParaRPr lang="es-ES"/>
+          </a:p>
+        </p:txBody>
+      </p:sp>
     </p:spTree>
     <p:extLst>
       <p:ext uri="{BB962C8B-B14F-4D97-AF65-F5344CB8AC3E}">
-        <p14:creationId xmlns:p14="http://schemas.microsoft.com/office/powerpoint/2010/main" val="2359061218"/>
+        <p14:creationId xmlns:p14="http://schemas.microsoft.com/office/powerpoint/2010/main" val="1242110104"/>
       </p:ext>
     </p:extLst>
   </p:cSld>
